--- a/ubifarm.pptx
+++ b/ubifarm.pptx
@@ -11,7 +11,6 @@
     <p:sldId id="258" r:id="rId5"/>
     <p:sldId id="259" r:id="rId6"/>
     <p:sldId id="260" r:id="rId7"/>
-    <p:sldId id="261" r:id="rId8"/>
   </p:sldIdLst>
   <p:sldSz cx="12192000" cy="6858000"/>
   <p:notesSz cx="6858000" cy="9144000"/>
@@ -259,7 +258,7 @@
           <a:p>
             <a:fld id="{B847C6D6-EA7D-4053-B1CA-B60333B58E9B}" type="datetimeFigureOut">
               <a:rPr lang="ko-KR" altLang="en-US" smtClean="0"/>
-              <a:t>2022-02-14</a:t>
+              <a:t>2022-02-15</a:t>
             </a:fld>
             <a:endParaRPr lang="ko-KR" altLang="en-US"/>
           </a:p>
@@ -427,7 +426,7 @@
           <a:p>
             <a:fld id="{B847C6D6-EA7D-4053-B1CA-B60333B58E9B}" type="datetimeFigureOut">
               <a:rPr lang="ko-KR" altLang="en-US" smtClean="0"/>
-              <a:t>2022-02-14</a:t>
+              <a:t>2022-02-15</a:t>
             </a:fld>
             <a:endParaRPr lang="ko-KR" altLang="en-US"/>
           </a:p>
@@ -605,7 +604,7 @@
           <a:p>
             <a:fld id="{B847C6D6-EA7D-4053-B1CA-B60333B58E9B}" type="datetimeFigureOut">
               <a:rPr lang="ko-KR" altLang="en-US" smtClean="0"/>
-              <a:t>2022-02-14</a:t>
+              <a:t>2022-02-15</a:t>
             </a:fld>
             <a:endParaRPr lang="ko-KR" altLang="en-US"/>
           </a:p>
@@ -773,7 +772,7 @@
           <a:p>
             <a:fld id="{B847C6D6-EA7D-4053-B1CA-B60333B58E9B}" type="datetimeFigureOut">
               <a:rPr lang="ko-KR" altLang="en-US" smtClean="0"/>
-              <a:t>2022-02-14</a:t>
+              <a:t>2022-02-15</a:t>
             </a:fld>
             <a:endParaRPr lang="ko-KR" altLang="en-US"/>
           </a:p>
@@ -1018,7 +1017,7 @@
           <a:p>
             <a:fld id="{B847C6D6-EA7D-4053-B1CA-B60333B58E9B}" type="datetimeFigureOut">
               <a:rPr lang="ko-KR" altLang="en-US" smtClean="0"/>
-              <a:t>2022-02-14</a:t>
+              <a:t>2022-02-15</a:t>
             </a:fld>
             <a:endParaRPr lang="ko-KR" altLang="en-US"/>
           </a:p>
@@ -1247,7 +1246,7 @@
           <a:p>
             <a:fld id="{B847C6D6-EA7D-4053-B1CA-B60333B58E9B}" type="datetimeFigureOut">
               <a:rPr lang="ko-KR" altLang="en-US" smtClean="0"/>
-              <a:t>2022-02-14</a:t>
+              <a:t>2022-02-15</a:t>
             </a:fld>
             <a:endParaRPr lang="ko-KR" altLang="en-US"/>
           </a:p>
@@ -1611,7 +1610,7 @@
           <a:p>
             <a:fld id="{B847C6D6-EA7D-4053-B1CA-B60333B58E9B}" type="datetimeFigureOut">
               <a:rPr lang="ko-KR" altLang="en-US" smtClean="0"/>
-              <a:t>2022-02-14</a:t>
+              <a:t>2022-02-15</a:t>
             </a:fld>
             <a:endParaRPr lang="ko-KR" altLang="en-US"/>
           </a:p>
@@ -1728,7 +1727,7 @@
           <a:p>
             <a:fld id="{B847C6D6-EA7D-4053-B1CA-B60333B58E9B}" type="datetimeFigureOut">
               <a:rPr lang="ko-KR" altLang="en-US" smtClean="0"/>
-              <a:t>2022-02-14</a:t>
+              <a:t>2022-02-15</a:t>
             </a:fld>
             <a:endParaRPr lang="ko-KR" altLang="en-US"/>
           </a:p>
@@ -1823,7 +1822,7 @@
           <a:p>
             <a:fld id="{B847C6D6-EA7D-4053-B1CA-B60333B58E9B}" type="datetimeFigureOut">
               <a:rPr lang="ko-KR" altLang="en-US" smtClean="0"/>
-              <a:t>2022-02-14</a:t>
+              <a:t>2022-02-15</a:t>
             </a:fld>
             <a:endParaRPr lang="ko-KR" altLang="en-US"/>
           </a:p>
@@ -2098,7 +2097,7 @@
           <a:p>
             <a:fld id="{B847C6D6-EA7D-4053-B1CA-B60333B58E9B}" type="datetimeFigureOut">
               <a:rPr lang="ko-KR" altLang="en-US" smtClean="0"/>
-              <a:t>2022-02-14</a:t>
+              <a:t>2022-02-15</a:t>
             </a:fld>
             <a:endParaRPr lang="ko-KR" altLang="en-US"/>
           </a:p>
@@ -2350,7 +2349,7 @@
           <a:p>
             <a:fld id="{B847C6D6-EA7D-4053-B1CA-B60333B58E9B}" type="datetimeFigureOut">
               <a:rPr lang="ko-KR" altLang="en-US" smtClean="0"/>
-              <a:t>2022-02-14</a:t>
+              <a:t>2022-02-15</a:t>
             </a:fld>
             <a:endParaRPr lang="ko-KR" altLang="en-US"/>
           </a:p>
@@ -2561,7 +2560,7 @@
           <a:p>
             <a:fld id="{B847C6D6-EA7D-4053-B1CA-B60333B58E9B}" type="datetimeFigureOut">
               <a:rPr lang="ko-KR" altLang="en-US" smtClean="0"/>
-              <a:t>2022-02-14</a:t>
+              <a:t>2022-02-15</a:t>
             </a:fld>
             <a:endParaRPr lang="ko-KR" altLang="en-US"/>
           </a:p>
@@ -3324,9 +3323,10 @@
           <a:bodyPr/>
           <a:lstStyle/>
           <a:p>
+            <a:pPr algn="ctr"/>
             <a:r>
               <a:rPr lang="ko-KR" altLang="en-US" dirty="0"/>
-              <a:t>                     프로젝트</a:t>
+              <a:t>프로젝트 소개</a:t>
             </a:r>
           </a:p>
         </p:txBody>
@@ -3379,146 +3379,167 @@
           </a:p>
         </p:txBody>
       </p:sp>
-      <p:pic>
-        <p:nvPicPr>
-          <p:cNvPr id="7" name="그림 6"/>
-          <p:cNvPicPr>
-            <a:picLocks noChangeAspect="1"/>
-          </p:cNvPicPr>
-          <p:nvPr/>
-        </p:nvPicPr>
-        <p:blipFill>
-          <a:blip r:embed="rId2" cstate="print">
+      <p:grpSp>
+        <p:nvGrpSpPr>
+          <p:cNvPr id="3" name="그룹 2">
             <a:extLst>
-              <a:ext uri="{28A0092B-C50C-407E-A947-70E740481C1C}">
-                <a14:useLocalDpi xmlns:a14="http://schemas.microsoft.com/office/drawing/2010/main" val="0"/>
+              <a:ext uri="{FF2B5EF4-FFF2-40B4-BE49-F238E27FC236}">
+                <a16:creationId xmlns:a16="http://schemas.microsoft.com/office/drawing/2014/main" id="{A0493306-9576-41CF-93A3-4AF88CE60F20}"/>
               </a:ext>
             </a:extLst>
-          </a:blip>
-          <a:stretch>
-            <a:fillRect/>
-          </a:stretch>
-        </p:blipFill>
-        <p:spPr>
-          <a:xfrm>
-            <a:off x="6135981" y="3717026"/>
-            <a:ext cx="2152585" cy="1220678"/>
-          </a:xfrm>
-          <a:prstGeom prst="rect">
-            <a:avLst/>
-          </a:prstGeom>
-          <a:ln>
-            <a:solidFill>
-              <a:schemeClr val="tx1"/>
-            </a:solidFill>
-          </a:ln>
-        </p:spPr>
-      </p:pic>
-      <p:pic>
-        <p:nvPicPr>
-          <p:cNvPr id="8" name="그림 7"/>
-          <p:cNvPicPr>
-            <a:picLocks noChangeAspect="1"/>
-          </p:cNvPicPr>
+          </p:cNvPr>
+          <p:cNvGrpSpPr/>
           <p:nvPr/>
-        </p:nvPicPr>
-        <p:blipFill>
-          <a:blip r:embed="rId3" cstate="print">
-            <a:extLst>
-              <a:ext uri="{28A0092B-C50C-407E-A947-70E740481C1C}">
-                <a14:useLocalDpi xmlns:a14="http://schemas.microsoft.com/office/drawing/2010/main" val="0"/>
-              </a:ext>
-            </a:extLst>
-          </a:blip>
-          <a:stretch>
-            <a:fillRect/>
-          </a:stretch>
-        </p:blipFill>
-        <p:spPr>
-          <a:xfrm>
-            <a:off x="3806799" y="3717026"/>
-            <a:ext cx="2152585" cy="1220678"/>
-          </a:xfrm>
-          <a:prstGeom prst="rect">
-            <a:avLst/>
-          </a:prstGeom>
-          <a:ln>
-            <a:solidFill>
-              <a:schemeClr val="tx1"/>
-            </a:solidFill>
-          </a:ln>
-        </p:spPr>
-      </p:pic>
-      <p:pic>
-        <p:nvPicPr>
-          <p:cNvPr id="9" name="그림 8"/>
-          <p:cNvPicPr>
-            <a:picLocks noChangeAspect="1"/>
-          </p:cNvPicPr>
-          <p:nvPr/>
-        </p:nvPicPr>
-        <p:blipFill>
-          <a:blip r:embed="rId4" cstate="print">
-            <a:extLst>
-              <a:ext uri="{28A0092B-C50C-407E-A947-70E740481C1C}">
-                <a14:useLocalDpi xmlns:a14="http://schemas.microsoft.com/office/drawing/2010/main" val="0"/>
-              </a:ext>
-            </a:extLst>
-          </a:blip>
-          <a:stretch>
-            <a:fillRect/>
-          </a:stretch>
-        </p:blipFill>
-        <p:spPr>
-          <a:xfrm>
-            <a:off x="8465163" y="3716092"/>
-            <a:ext cx="2152585" cy="1221612"/>
-          </a:xfrm>
-          <a:prstGeom prst="rect">
-            <a:avLst/>
-          </a:prstGeom>
-          <a:ln>
-            <a:solidFill>
-              <a:schemeClr val="tx1"/>
-            </a:solidFill>
-          </a:ln>
-        </p:spPr>
-      </p:pic>
-      <p:pic>
-        <p:nvPicPr>
-          <p:cNvPr id="10" name="그림 9"/>
-          <p:cNvPicPr>
-            <a:picLocks noChangeAspect="1"/>
-          </p:cNvPicPr>
-          <p:nvPr/>
-        </p:nvPicPr>
-        <p:blipFill>
-          <a:blip r:embed="rId5" cstate="print">
-            <a:extLst>
-              <a:ext uri="{28A0092B-C50C-407E-A947-70E740481C1C}">
-                <a14:useLocalDpi xmlns:a14="http://schemas.microsoft.com/office/drawing/2010/main" val="0"/>
-              </a:ext>
-            </a:extLst>
-          </a:blip>
-          <a:stretch>
-            <a:fillRect/>
-          </a:stretch>
-        </p:blipFill>
-        <p:spPr>
-          <a:xfrm>
-            <a:off x="1452876" y="3717026"/>
-            <a:ext cx="2177326" cy="1220678"/>
-          </a:xfrm>
-          <a:prstGeom prst="rect">
-            <a:avLst/>
-          </a:prstGeom>
-          <a:ln>
-            <a:solidFill>
-              <a:schemeClr val="tx1"/>
-            </a:solidFill>
-          </a:ln>
-        </p:spPr>
-      </p:pic>
+        </p:nvGrpSpPr>
+        <p:grpSpPr>
+          <a:xfrm>
+            <a:off x="251945" y="4270224"/>
+            <a:ext cx="11688110" cy="1498802"/>
+            <a:chOff x="346872" y="4270224"/>
+            <a:chExt cx="11688110" cy="1498802"/>
+          </a:xfrm>
+        </p:grpSpPr>
+        <p:pic>
+          <p:nvPicPr>
+            <p:cNvPr id="7" name="그림 6"/>
+            <p:cNvPicPr>
+              <a:picLocks noChangeAspect="1"/>
+            </p:cNvPicPr>
+            <p:nvPr/>
+          </p:nvPicPr>
+          <p:blipFill>
+            <a:blip r:embed="rId2" cstate="print">
+              <a:extLst>
+                <a:ext uri="{28A0092B-C50C-407E-A947-70E740481C1C}">
+                  <a14:useLocalDpi xmlns:a14="http://schemas.microsoft.com/office/drawing/2010/main" val="0"/>
+                </a:ext>
+              </a:extLst>
+            </a:blip>
+            <a:stretch>
+              <a:fillRect/>
+            </a:stretch>
+          </p:blipFill>
+          <p:spPr>
+            <a:xfrm>
+              <a:off x="6388384" y="4271264"/>
+              <a:ext cx="2641018" cy="1497656"/>
+            </a:xfrm>
+            <a:prstGeom prst="rect">
+              <a:avLst/>
+            </a:prstGeom>
+            <a:ln>
+              <a:solidFill>
+                <a:schemeClr val="tx1"/>
+              </a:solidFill>
+            </a:ln>
+          </p:spPr>
+        </p:pic>
+        <p:pic>
+          <p:nvPicPr>
+            <p:cNvPr id="8" name="그림 7"/>
+            <p:cNvPicPr>
+              <a:picLocks noChangeAspect="1"/>
+            </p:cNvPicPr>
+            <p:nvPr/>
+          </p:nvPicPr>
+          <p:blipFill>
+            <a:blip r:embed="rId3" cstate="print">
+              <a:extLst>
+                <a:ext uri="{28A0092B-C50C-407E-A947-70E740481C1C}">
+                  <a14:useLocalDpi xmlns:a14="http://schemas.microsoft.com/office/drawing/2010/main" val="0"/>
+                </a:ext>
+              </a:extLst>
+            </a:blip>
+            <a:stretch>
+              <a:fillRect/>
+            </a:stretch>
+          </p:blipFill>
+          <p:spPr>
+            <a:xfrm>
+              <a:off x="3382805" y="4271264"/>
+              <a:ext cx="2641018" cy="1497656"/>
+            </a:xfrm>
+            <a:prstGeom prst="rect">
+              <a:avLst/>
+            </a:prstGeom>
+            <a:ln>
+              <a:solidFill>
+                <a:schemeClr val="tx1"/>
+              </a:solidFill>
+            </a:ln>
+          </p:spPr>
+        </p:pic>
+        <p:pic>
+          <p:nvPicPr>
+            <p:cNvPr id="9" name="그림 8"/>
+            <p:cNvPicPr>
+              <a:picLocks noChangeAspect="1"/>
+            </p:cNvPicPr>
+            <p:nvPr/>
+          </p:nvPicPr>
+          <p:blipFill>
+            <a:blip r:embed="rId4" cstate="print">
+              <a:extLst>
+                <a:ext uri="{28A0092B-C50C-407E-A947-70E740481C1C}">
+                  <a14:useLocalDpi xmlns:a14="http://schemas.microsoft.com/office/drawing/2010/main" val="0"/>
+                </a:ext>
+              </a:extLst>
+            </a:blip>
+            <a:stretch>
+              <a:fillRect/>
+            </a:stretch>
+          </p:blipFill>
+          <p:spPr>
+            <a:xfrm>
+              <a:off x="9393964" y="4270224"/>
+              <a:ext cx="2641018" cy="1498802"/>
+            </a:xfrm>
+            <a:prstGeom prst="rect">
+              <a:avLst/>
+            </a:prstGeom>
+            <a:ln>
+              <a:solidFill>
+                <a:schemeClr val="tx1"/>
+              </a:solidFill>
+            </a:ln>
+          </p:spPr>
+        </p:pic>
+        <p:pic>
+          <p:nvPicPr>
+            <p:cNvPr id="10" name="그림 9"/>
+            <p:cNvPicPr>
+              <a:picLocks noChangeAspect="1"/>
+            </p:cNvPicPr>
+            <p:nvPr/>
+          </p:nvPicPr>
+          <p:blipFill>
+            <a:blip r:embed="rId5" cstate="print">
+              <a:extLst>
+                <a:ext uri="{28A0092B-C50C-407E-A947-70E740481C1C}">
+                  <a14:useLocalDpi xmlns:a14="http://schemas.microsoft.com/office/drawing/2010/main" val="0"/>
+                </a:ext>
+              </a:extLst>
+            </a:blip>
+            <a:stretch>
+              <a:fillRect/>
+            </a:stretch>
+          </p:blipFill>
+          <p:spPr>
+            <a:xfrm>
+              <a:off x="346872" y="4271264"/>
+              <a:ext cx="2671372" cy="1497656"/>
+            </a:xfrm>
+            <a:prstGeom prst="rect">
+              <a:avLst/>
+            </a:prstGeom>
+            <a:ln>
+              <a:solidFill>
+                <a:schemeClr val="tx1"/>
+              </a:solidFill>
+            </a:ln>
+          </p:spPr>
+        </p:pic>
+      </p:grpSp>
       <p:pic>
         <p:nvPicPr>
           <p:cNvPr id="13" name="그림 12"/>
@@ -3790,6 +3811,74 @@
           </a:fontRef>
         </p:style>
       </p:cxnSp>
+      <p:sp>
+        <p:nvSpPr>
+          <p:cNvPr id="20" name="TextBox 19">
+            <a:extLst>
+              <a:ext uri="{FF2B5EF4-FFF2-40B4-BE49-F238E27FC236}">
+                <a16:creationId xmlns:a16="http://schemas.microsoft.com/office/drawing/2014/main" id="{D94C7924-9739-43C8-A757-3A59B14A6502}"/>
+              </a:ext>
+            </a:extLst>
+          </p:cNvPr>
+          <p:cNvSpPr txBox="1"/>
+          <p:nvPr/>
+        </p:nvSpPr>
+        <p:spPr>
+          <a:xfrm>
+            <a:off x="508602" y="3763558"/>
+            <a:ext cx="3807070" cy="307777"/>
+          </a:xfrm>
+          <a:prstGeom prst="rect">
+            <a:avLst/>
+          </a:prstGeom>
+          <a:noFill/>
+        </p:spPr>
+        <p:txBody>
+          <a:bodyPr wrap="square" rtlCol="0">
+            <a:spAutoFit/>
+          </a:bodyPr>
+          <a:lstStyle/>
+          <a:p>
+            <a:r>
+              <a:rPr lang="en-US" altLang="ko-KR" sz="1400" dirty="0">
+                <a:ln>
+                  <a:solidFill>
+                    <a:schemeClr val="tx1"/>
+                  </a:solidFill>
+                </a:ln>
+              </a:rPr>
+              <a:t>&lt; UI</a:t>
+            </a:r>
+            <a:r>
+              <a:rPr lang="ko-KR" altLang="en-US" sz="1400" dirty="0">
+                <a:ln>
+                  <a:solidFill>
+                    <a:schemeClr val="tx1"/>
+                  </a:solidFill>
+                </a:ln>
+              </a:rPr>
+              <a:t> 화면 예시 </a:t>
+            </a:r>
+            <a:r>
+              <a:rPr lang="en-US" altLang="ko-KR" sz="1400" dirty="0">
+                <a:ln>
+                  <a:solidFill>
+                    <a:schemeClr val="tx1"/>
+                  </a:solidFill>
+                </a:ln>
+              </a:rPr>
+              <a:t>&gt;</a:t>
+            </a:r>
+            <a:endParaRPr lang="ko-KR" altLang="en-US" sz="1400" dirty="0">
+              <a:ln>
+                <a:solidFill>
+                  <a:schemeClr val="tx1"/>
+                </a:solidFill>
+              </a:ln>
+            </a:endParaRPr>
+          </a:p>
+        </p:txBody>
+      </p:sp>
     </p:spTree>
     <p:extLst>
       <p:ext uri="{BB962C8B-B14F-4D97-AF65-F5344CB8AC3E}">
@@ -3820,9 +3909,402 @@
           <a:chExt cx="0" cy="0"/>
         </a:xfrm>
       </p:grpSpPr>
+      <p:sp>
+        <p:nvSpPr>
+          <p:cNvPr id="9" name="TextBox 8"/>
+          <p:cNvSpPr txBox="1"/>
+          <p:nvPr/>
+        </p:nvSpPr>
+        <p:spPr>
+          <a:xfrm>
+            <a:off x="2346960" y="420829"/>
+            <a:ext cx="7498080" cy="461665"/>
+          </a:xfrm>
+          <a:prstGeom prst="rect">
+            <a:avLst/>
+          </a:prstGeom>
+          <a:noFill/>
+        </p:spPr>
+        <p:txBody>
+          <a:bodyPr wrap="square" rtlCol="0">
+            <a:spAutoFit/>
+          </a:bodyPr>
+          <a:lstStyle/>
+          <a:p>
+            <a:pPr algn="ctr"/>
+            <a:r>
+              <a:rPr lang="en-US" altLang="ko-KR" sz="2400" b="1" dirty="0">
+                <a:latin typeface="+mj-lt"/>
+                <a:ea typeface="나눔스퀘어_ac ExtraBold" panose="020B0600000101010101" pitchFamily="50" charset="-127"/>
+              </a:rPr>
+              <a:t> UI </a:t>
+            </a:r>
+            <a:r>
+              <a:rPr lang="ko-KR" altLang="en-US" sz="2400" b="1" dirty="0">
+                <a:latin typeface="+mj-lt"/>
+                <a:ea typeface="나눔스퀘어_ac ExtraBold" panose="020B0600000101010101" pitchFamily="50" charset="-127"/>
+              </a:rPr>
+              <a:t>화면</a:t>
+            </a:r>
+          </a:p>
+        </p:txBody>
+      </p:sp>
+      <p:sp>
+        <p:nvSpPr>
+          <p:cNvPr id="10" name="직사각형 9"/>
+          <p:cNvSpPr/>
+          <p:nvPr/>
+        </p:nvSpPr>
+        <p:spPr>
+          <a:xfrm>
+            <a:off x="5853539" y="360046"/>
+            <a:ext cx="484923" cy="56059"/>
+          </a:xfrm>
+          <a:prstGeom prst="rect">
+            <a:avLst/>
+          </a:prstGeom>
+          <a:solidFill>
+            <a:schemeClr val="bg1">
+              <a:lumMod val="65000"/>
+            </a:schemeClr>
+          </a:solidFill>
+          <a:ln>
+            <a:noFill/>
+          </a:ln>
+        </p:spPr>
+        <p:style>
+          <a:lnRef idx="2">
+            <a:schemeClr val="accent1">
+              <a:shade val="50000"/>
+            </a:schemeClr>
+          </a:lnRef>
+          <a:fillRef idx="1">
+            <a:schemeClr val="accent1"/>
+          </a:fillRef>
+          <a:effectRef idx="0">
+            <a:schemeClr val="accent1"/>
+          </a:effectRef>
+          <a:fontRef idx="minor">
+            <a:schemeClr val="lt1"/>
+          </a:fontRef>
+        </p:style>
+        <p:txBody>
+          <a:bodyPr rtlCol="0" anchor="ctr"/>
+          <a:lstStyle/>
+          <a:p>
+            <a:pPr algn="ctr"/>
+            <a:endParaRPr lang="ko-KR" altLang="en-US"/>
+          </a:p>
+        </p:txBody>
+      </p:sp>
+      <p:sp>
+        <p:nvSpPr>
+          <p:cNvPr id="12" name="TextBox 11"/>
+          <p:cNvSpPr txBox="1"/>
+          <p:nvPr/>
+        </p:nvSpPr>
+        <p:spPr>
+          <a:xfrm>
+            <a:off x="547661" y="4976231"/>
+            <a:ext cx="8328484" cy="1718612"/>
+          </a:xfrm>
+          <a:prstGeom prst="rect">
+            <a:avLst/>
+          </a:prstGeom>
+          <a:noFill/>
+        </p:spPr>
+        <p:txBody>
+          <a:bodyPr wrap="square" rtlCol="0">
+            <a:spAutoFit/>
+          </a:bodyPr>
+          <a:lstStyle/>
+          <a:p>
+            <a:pPr>
+              <a:lnSpc>
+                <a:spcPct val="150000"/>
+              </a:lnSpc>
+            </a:pPr>
+            <a:r>
+              <a:rPr lang="en-US" altLang="ko-KR" sz="1200" dirty="0"/>
+              <a:t>&lt;</a:t>
+            </a:r>
+            <a:r>
+              <a:rPr lang="ko-KR" altLang="en-US" sz="1200" dirty="0"/>
+              <a:t>상세 화면</a:t>
+            </a:r>
+            <a:r>
+              <a:rPr lang="en-US" altLang="ko-KR" sz="1200" dirty="0"/>
+              <a:t>&gt;</a:t>
+            </a:r>
+          </a:p>
+          <a:p>
+            <a:pPr marL="228600" indent="-228600">
+              <a:lnSpc>
+                <a:spcPct val="150000"/>
+              </a:lnSpc>
+              <a:buFont typeface="+mj-lt"/>
+              <a:buAutoNum type="arabicParenR"/>
+            </a:pPr>
+            <a:r>
+              <a:rPr lang="ko-KR" altLang="en-US" sz="1200" dirty="0"/>
+              <a:t>상단에 화면 목록 표시</a:t>
+            </a:r>
+            <a:endParaRPr lang="en-US" altLang="ko-KR" sz="1200" dirty="0"/>
+          </a:p>
+          <a:p>
+            <a:pPr marL="228600" indent="-228600">
+              <a:lnSpc>
+                <a:spcPct val="150000"/>
+              </a:lnSpc>
+              <a:buFont typeface="+mj-lt"/>
+              <a:buAutoNum type="arabicParenR"/>
+            </a:pPr>
+            <a:r>
+              <a:rPr lang="ko-KR" altLang="en-US" sz="1200" dirty="0"/>
+              <a:t>현재 시각이 나타나도록 설정</a:t>
+            </a:r>
+            <a:endParaRPr lang="en-US" altLang="ko-KR" sz="1200" dirty="0"/>
+          </a:p>
+          <a:p>
+            <a:pPr marL="228600" indent="-228600">
+              <a:lnSpc>
+                <a:spcPct val="150000"/>
+              </a:lnSpc>
+              <a:buFont typeface="+mj-lt"/>
+              <a:buAutoNum type="arabicParenR"/>
+            </a:pPr>
+            <a:r>
+              <a:rPr lang="ko-KR" altLang="en-US" sz="1200" dirty="0" err="1"/>
+              <a:t>온습도센서</a:t>
+            </a:r>
+            <a:r>
+              <a:rPr lang="en-US" altLang="ko-KR" sz="1200" dirty="0"/>
+              <a:t>/</a:t>
+            </a:r>
+            <a:r>
+              <a:rPr lang="ko-KR" altLang="en-US" sz="1200" dirty="0"/>
+              <a:t>모터 수에 맞춰 센서</a:t>
+            </a:r>
+            <a:r>
+              <a:rPr lang="en-US" altLang="ko-KR" sz="1200" dirty="0"/>
+              <a:t>/</a:t>
+            </a:r>
+            <a:r>
+              <a:rPr lang="ko-KR" altLang="en-US" sz="1200" dirty="0"/>
+              <a:t>천창 정보가 나타나도록 구현</a:t>
+            </a:r>
+            <a:endParaRPr lang="en-US" altLang="ko-KR" sz="1200" dirty="0"/>
+          </a:p>
+          <a:p>
+            <a:pPr marL="228600" indent="-228600">
+              <a:lnSpc>
+                <a:spcPct val="150000"/>
+              </a:lnSpc>
+              <a:buFont typeface="+mj-lt"/>
+              <a:buAutoNum type="arabicParenR"/>
+            </a:pPr>
+            <a:r>
+              <a:rPr lang="ko-KR" altLang="en-US" sz="1200" dirty="0"/>
+              <a:t>천창의 설정을 열림</a:t>
+            </a:r>
+            <a:r>
+              <a:rPr lang="en-US" altLang="ko-KR" sz="1200" dirty="0"/>
+              <a:t>, </a:t>
+            </a:r>
+            <a:r>
+              <a:rPr lang="ko-KR" altLang="en-US" sz="1200" dirty="0"/>
+              <a:t>정지</a:t>
+            </a:r>
+            <a:r>
+              <a:rPr lang="en-US" altLang="ko-KR" sz="1200" dirty="0"/>
+              <a:t>, </a:t>
+            </a:r>
+            <a:r>
+              <a:rPr lang="ko-KR" altLang="en-US" sz="1200" dirty="0"/>
+              <a:t>닫힘</a:t>
+            </a:r>
+            <a:r>
+              <a:rPr lang="en-US" altLang="ko-KR" sz="1200" dirty="0"/>
+              <a:t>, </a:t>
+            </a:r>
+            <a:r>
+              <a:rPr lang="ko-KR" altLang="en-US" sz="1200" dirty="0"/>
+              <a:t>자동</a:t>
+            </a:r>
+            <a:r>
+              <a:rPr lang="en-US" altLang="ko-KR" sz="1200" dirty="0"/>
+              <a:t>, </a:t>
+            </a:r>
+            <a:r>
+              <a:rPr lang="ko-KR" altLang="en-US" sz="1200" dirty="0"/>
+              <a:t>수동으로 설정 가능하게 하고</a:t>
+            </a:r>
+            <a:r>
+              <a:rPr lang="en-US" altLang="ko-KR" sz="1200" dirty="0"/>
+              <a:t>,</a:t>
+            </a:r>
+            <a:r>
+              <a:rPr lang="ko-KR" altLang="en-US" sz="1200" dirty="0"/>
+              <a:t> 현재 설정을 상태에서 확인할 수 있도록 구현</a:t>
+            </a:r>
+            <a:endParaRPr lang="en-US" altLang="ko-KR" sz="1200" dirty="0"/>
+          </a:p>
+          <a:p>
+            <a:pPr>
+              <a:lnSpc>
+                <a:spcPct val="150000"/>
+              </a:lnSpc>
+            </a:pPr>
+            <a:endParaRPr lang="ko-KR" altLang="en-US" sz="1200" dirty="0"/>
+          </a:p>
+        </p:txBody>
+      </p:sp>
+      <p:sp>
+        <p:nvSpPr>
+          <p:cNvPr id="3" name="화살표: 오른쪽 2">
+            <a:extLst>
+              <a:ext uri="{FF2B5EF4-FFF2-40B4-BE49-F238E27FC236}">
+                <a16:creationId xmlns:a16="http://schemas.microsoft.com/office/drawing/2014/main" id="{ECFE3472-CF28-4387-B430-A25CE5D86E7F}"/>
+              </a:ext>
+            </a:extLst>
+          </p:cNvPr>
+          <p:cNvSpPr/>
+          <p:nvPr/>
+        </p:nvSpPr>
+        <p:spPr>
+          <a:xfrm>
+            <a:off x="5352526" y="2347223"/>
+            <a:ext cx="805880" cy="526473"/>
+          </a:xfrm>
+          <a:prstGeom prst="rightArrow">
+            <a:avLst/>
+          </a:prstGeom>
+        </p:spPr>
+        <p:style>
+          <a:lnRef idx="0">
+            <a:schemeClr val="accent3"/>
+          </a:lnRef>
+          <a:fillRef idx="3">
+            <a:schemeClr val="accent3"/>
+          </a:fillRef>
+          <a:effectRef idx="3">
+            <a:schemeClr val="accent3"/>
+          </a:effectRef>
+          <a:fontRef idx="minor">
+            <a:schemeClr val="lt1"/>
+          </a:fontRef>
+        </p:style>
+        <p:txBody>
+          <a:bodyPr rtlCol="0" anchor="ctr"/>
+          <a:lstStyle/>
+          <a:p>
+            <a:pPr algn="ctr"/>
+            <a:endParaRPr lang="ko-KR" altLang="en-US"/>
+          </a:p>
+        </p:txBody>
+      </p:sp>
+      <p:sp>
+        <p:nvSpPr>
+          <p:cNvPr id="8" name="TextBox 7"/>
+          <p:cNvSpPr txBox="1"/>
+          <p:nvPr/>
+        </p:nvSpPr>
+        <p:spPr>
+          <a:xfrm>
+            <a:off x="547661" y="4624277"/>
+            <a:ext cx="3807070" cy="307777"/>
+          </a:xfrm>
+          <a:prstGeom prst="rect">
+            <a:avLst/>
+          </a:prstGeom>
+          <a:noFill/>
+        </p:spPr>
+        <p:txBody>
+          <a:bodyPr wrap="square" rtlCol="0">
+            <a:spAutoFit/>
+          </a:bodyPr>
+          <a:lstStyle/>
+          <a:p>
+            <a:r>
+              <a:rPr lang="ko-KR" altLang="en-US" sz="1400" dirty="0" err="1">
+                <a:ln>
+                  <a:solidFill>
+                    <a:schemeClr val="tx1"/>
+                  </a:solidFill>
+                </a:ln>
+              </a:rPr>
+              <a:t>자동개폐기</a:t>
+            </a:r>
+            <a:r>
+              <a:rPr lang="ko-KR" altLang="en-US" sz="1400" dirty="0">
+                <a:ln>
+                  <a:solidFill>
+                    <a:schemeClr val="tx1"/>
+                  </a:solidFill>
+                </a:ln>
+              </a:rPr>
+              <a:t> 클릭 시 보여주는 화면</a:t>
+            </a:r>
+          </a:p>
+        </p:txBody>
+      </p:sp>
+      <p:sp>
+        <p:nvSpPr>
+          <p:cNvPr id="11" name="직사각형 10">
+            <a:extLst>
+              <a:ext uri="{FF2B5EF4-FFF2-40B4-BE49-F238E27FC236}">
+                <a16:creationId xmlns:a16="http://schemas.microsoft.com/office/drawing/2014/main" id="{20E86E8D-ED87-4AE8-BD32-07A8AD68A174}"/>
+              </a:ext>
+            </a:extLst>
+          </p:cNvPr>
+          <p:cNvSpPr/>
+          <p:nvPr/>
+        </p:nvSpPr>
+        <p:spPr>
+          <a:xfrm>
+            <a:off x="-1" y="223494"/>
+            <a:ext cx="12192001" cy="4265379"/>
+          </a:xfrm>
+          <a:prstGeom prst="rect">
+            <a:avLst/>
+          </a:prstGeom>
+          <a:noFill/>
+          <a:ln w="19050">
+            <a:solidFill>
+              <a:srgbClr val="126447"/>
+            </a:solidFill>
+          </a:ln>
+        </p:spPr>
+        <p:style>
+          <a:lnRef idx="2">
+            <a:schemeClr val="accent1">
+              <a:shade val="50000"/>
+            </a:schemeClr>
+          </a:lnRef>
+          <a:fillRef idx="1">
+            <a:schemeClr val="accent1"/>
+          </a:fillRef>
+          <a:effectRef idx="0">
+            <a:schemeClr val="accent1"/>
+          </a:effectRef>
+          <a:fontRef idx="minor">
+            <a:schemeClr val="lt1"/>
+          </a:fontRef>
+        </p:style>
+        <p:txBody>
+          <a:bodyPr rtlCol="0" anchor="ctr"/>
+          <a:lstStyle/>
+          <a:p>
+            <a:pPr algn="ctr"/>
+            <a:endParaRPr lang="ko-KR" altLang="en-US">
+              <a:latin typeface="+mj-lt"/>
+            </a:endParaRPr>
+          </a:p>
+        </p:txBody>
+      </p:sp>
       <p:pic>
         <p:nvPicPr>
-          <p:cNvPr id="2" name="그림 1"/>
+          <p:cNvPr id="4" name="그림 3"/>
           <p:cNvPicPr>
             <a:picLocks noChangeAspect="1"/>
           </p:cNvPicPr>
@@ -3842,8 +4324,8 @@
         </p:blipFill>
         <p:spPr>
           <a:xfrm>
-            <a:off x="7090642" y="1213551"/>
-            <a:ext cx="4716000" cy="2793816"/>
+            <a:off x="389300" y="1205564"/>
+            <a:ext cx="4718932" cy="2793600"/>
           </a:xfrm>
           <a:prstGeom prst="rect">
             <a:avLst/>
@@ -3857,28 +4339,28 @@
       </p:pic>
       <p:pic>
         <p:nvPicPr>
-          <p:cNvPr id="4" name="그림 3"/>
-          <p:cNvPicPr>
-            <a:picLocks noChangeAspect="1"/>
+          <p:cNvPr id="5" name="그림 4">
+            <a:extLst>
+              <a:ext uri="{FF2B5EF4-FFF2-40B4-BE49-F238E27FC236}">
+                <a16:creationId xmlns:a16="http://schemas.microsoft.com/office/drawing/2014/main" id="{6385EE19-E3DE-4AFC-90E0-B0391B0245FB}"/>
+              </a:ext>
+            </a:extLst>
+          </p:cNvPr>
+          <p:cNvPicPr preferRelativeResize="0">
+            <a:picLocks/>
           </p:cNvPicPr>
           <p:nvPr/>
         </p:nvPicPr>
         <p:blipFill>
-          <a:blip r:embed="rId3">
-            <a:extLst>
-              <a:ext uri="{28A0092B-C50C-407E-A947-70E740481C1C}">
-                <a14:useLocalDpi xmlns:a14="http://schemas.microsoft.com/office/drawing/2010/main" val="0"/>
-              </a:ext>
-            </a:extLst>
-          </a:blip>
+          <a:blip r:embed="rId3"/>
           <a:stretch>
             <a:fillRect/>
           </a:stretch>
         </p:blipFill>
         <p:spPr>
           <a:xfrm>
-            <a:off x="547661" y="1213551"/>
-            <a:ext cx="4718932" cy="2793600"/>
+            <a:off x="6404400" y="1205564"/>
+            <a:ext cx="5400000" cy="2880000"/>
           </a:xfrm>
           <a:prstGeom prst="rect">
             <a:avLst/>
@@ -3890,285 +4372,6 @@
           </a:ln>
         </p:spPr>
       </p:pic>
-      <p:sp>
-        <p:nvSpPr>
-          <p:cNvPr id="9" name="TextBox 8"/>
-          <p:cNvSpPr txBox="1"/>
-          <p:nvPr/>
-        </p:nvSpPr>
-        <p:spPr>
-          <a:xfrm>
-            <a:off x="2346960" y="420829"/>
-            <a:ext cx="7498080" cy="461665"/>
-          </a:xfrm>
-          <a:prstGeom prst="rect">
-            <a:avLst/>
-          </a:prstGeom>
-          <a:noFill/>
-        </p:spPr>
-        <p:txBody>
-          <a:bodyPr wrap="square" rtlCol="0">
-            <a:spAutoFit/>
-          </a:bodyPr>
-          <a:lstStyle/>
-          <a:p>
-            <a:pPr algn="ctr"/>
-            <a:r>
-              <a:rPr lang="en-US" altLang="ko-KR" sz="2400" b="1" dirty="0">
-                <a:latin typeface="+mj-lt"/>
-                <a:ea typeface="나눔스퀘어_ac ExtraBold" panose="020B0600000101010101" pitchFamily="50" charset="-127"/>
-              </a:rPr>
-              <a:t> UI </a:t>
-            </a:r>
-            <a:r>
-              <a:rPr lang="ko-KR" altLang="en-US" sz="2400" b="1" dirty="0">
-                <a:latin typeface="+mj-lt"/>
-                <a:ea typeface="나눔스퀘어_ac ExtraBold" panose="020B0600000101010101" pitchFamily="50" charset="-127"/>
-              </a:rPr>
-              <a:t>화면</a:t>
-            </a:r>
-          </a:p>
-        </p:txBody>
-      </p:sp>
-      <p:sp>
-        <p:nvSpPr>
-          <p:cNvPr id="10" name="직사각형 9"/>
-          <p:cNvSpPr/>
-          <p:nvPr/>
-        </p:nvSpPr>
-        <p:spPr>
-          <a:xfrm>
-            <a:off x="5853539" y="360046"/>
-            <a:ext cx="484923" cy="56059"/>
-          </a:xfrm>
-          <a:prstGeom prst="rect">
-            <a:avLst/>
-          </a:prstGeom>
-          <a:solidFill>
-            <a:schemeClr val="bg1">
-              <a:lumMod val="65000"/>
-            </a:schemeClr>
-          </a:solidFill>
-          <a:ln>
-            <a:noFill/>
-          </a:ln>
-        </p:spPr>
-        <p:style>
-          <a:lnRef idx="2">
-            <a:schemeClr val="accent1">
-              <a:shade val="50000"/>
-            </a:schemeClr>
-          </a:lnRef>
-          <a:fillRef idx="1">
-            <a:schemeClr val="accent1"/>
-          </a:fillRef>
-          <a:effectRef idx="0">
-            <a:schemeClr val="accent1"/>
-          </a:effectRef>
-          <a:fontRef idx="minor">
-            <a:schemeClr val="lt1"/>
-          </a:fontRef>
-        </p:style>
-        <p:txBody>
-          <a:bodyPr rtlCol="0" anchor="ctr"/>
-          <a:lstStyle/>
-          <a:p>
-            <a:pPr algn="ctr"/>
-            <a:endParaRPr lang="ko-KR" altLang="en-US"/>
-          </a:p>
-        </p:txBody>
-      </p:sp>
-      <p:sp>
-        <p:nvSpPr>
-          <p:cNvPr id="12" name="TextBox 11"/>
-          <p:cNvSpPr txBox="1"/>
-          <p:nvPr/>
-        </p:nvSpPr>
-        <p:spPr>
-          <a:xfrm>
-            <a:off x="547661" y="4976231"/>
-            <a:ext cx="7517423" cy="276999"/>
-          </a:xfrm>
-          <a:prstGeom prst="rect">
-            <a:avLst/>
-          </a:prstGeom>
-          <a:noFill/>
-        </p:spPr>
-        <p:txBody>
-          <a:bodyPr wrap="square" rtlCol="0">
-            <a:spAutoFit/>
-          </a:bodyPr>
-          <a:lstStyle/>
-          <a:p>
-            <a:r>
-              <a:rPr lang="en-US" altLang="ko-KR" sz="1200" dirty="0"/>
-              <a:t>&lt;</a:t>
-            </a:r>
-            <a:r>
-              <a:rPr lang="ko-KR" altLang="en-US" sz="1200" dirty="0"/>
-              <a:t>상세 화면</a:t>
-            </a:r>
-            <a:r>
-              <a:rPr lang="en-US" altLang="ko-KR" sz="1200" dirty="0"/>
-              <a:t>&gt;</a:t>
-            </a:r>
-            <a:endParaRPr lang="ko-KR" altLang="en-US" sz="1200" dirty="0"/>
-          </a:p>
-        </p:txBody>
-      </p:sp>
-      <p:sp>
-        <p:nvSpPr>
-          <p:cNvPr id="14" name="TextBox 13"/>
-          <p:cNvSpPr txBox="1"/>
-          <p:nvPr/>
-        </p:nvSpPr>
-        <p:spPr>
-          <a:xfrm>
-            <a:off x="547661" y="5297407"/>
-            <a:ext cx="7033847" cy="276999"/>
-          </a:xfrm>
-          <a:prstGeom prst="rect">
-            <a:avLst/>
-          </a:prstGeom>
-          <a:noFill/>
-        </p:spPr>
-        <p:txBody>
-          <a:bodyPr wrap="square" rtlCol="0">
-            <a:spAutoFit/>
-          </a:bodyPr>
-          <a:lstStyle/>
-          <a:p>
-            <a:r>
-              <a:rPr lang="en-US" altLang="ko-KR" sz="1200" dirty="0"/>
-              <a:t>(1) </a:t>
-            </a:r>
-            <a:r>
-              <a:rPr lang="ko-KR" altLang="en-US" sz="1200" dirty="0"/>
-              <a:t>현재 시각이 나타나도록 설정</a:t>
-            </a:r>
-            <a:r>
-              <a:rPr lang="en-US" altLang="ko-KR" sz="1200" dirty="0"/>
-              <a:t>, </a:t>
-            </a:r>
-            <a:r>
-              <a:rPr lang="ko-KR" altLang="en-US" sz="1200" dirty="0"/>
-              <a:t>센서 수에 맞춰서 나타나도록 구현</a:t>
-            </a:r>
-            <a:endParaRPr lang="en-US" altLang="ko-KR" sz="1200" dirty="0"/>
-          </a:p>
-        </p:txBody>
-      </p:sp>
-      <p:sp>
-        <p:nvSpPr>
-          <p:cNvPr id="15" name="TextBox 14"/>
-          <p:cNvSpPr txBox="1"/>
-          <p:nvPr/>
-        </p:nvSpPr>
-        <p:spPr>
-          <a:xfrm>
-            <a:off x="547661" y="5574406"/>
-            <a:ext cx="7842739" cy="276999"/>
-          </a:xfrm>
-          <a:prstGeom prst="rect">
-            <a:avLst/>
-          </a:prstGeom>
-          <a:noFill/>
-        </p:spPr>
-        <p:txBody>
-          <a:bodyPr wrap="square" rtlCol="0">
-            <a:spAutoFit/>
-          </a:bodyPr>
-          <a:lstStyle/>
-          <a:p>
-            <a:r>
-              <a:rPr lang="en-US" altLang="ko-KR" sz="1200" dirty="0"/>
-              <a:t>(2) </a:t>
-            </a:r>
-            <a:r>
-              <a:rPr lang="ko-KR" altLang="en-US" sz="1200" dirty="0"/>
-              <a:t>천장의 설정을 열림</a:t>
-            </a:r>
-            <a:r>
-              <a:rPr lang="en-US" altLang="ko-KR" sz="1200" dirty="0"/>
-              <a:t>, </a:t>
-            </a:r>
-            <a:r>
-              <a:rPr lang="ko-KR" altLang="en-US" sz="1200" dirty="0"/>
-              <a:t>정지</a:t>
-            </a:r>
-            <a:r>
-              <a:rPr lang="en-US" altLang="ko-KR" sz="1200" dirty="0"/>
-              <a:t>, </a:t>
-            </a:r>
-            <a:r>
-              <a:rPr lang="ko-KR" altLang="en-US" sz="1200" dirty="0"/>
-              <a:t>닫힘</a:t>
-            </a:r>
-            <a:r>
-              <a:rPr lang="en-US" altLang="ko-KR" sz="1200" dirty="0"/>
-              <a:t>, </a:t>
-            </a:r>
-            <a:r>
-              <a:rPr lang="ko-KR" altLang="en-US" sz="1200" dirty="0"/>
-              <a:t>자동</a:t>
-            </a:r>
-            <a:r>
-              <a:rPr lang="en-US" altLang="ko-KR" sz="1200" dirty="0"/>
-              <a:t>, </a:t>
-            </a:r>
-            <a:r>
-              <a:rPr lang="ko-KR" altLang="en-US" sz="1200" dirty="0"/>
-              <a:t>수동으로 설정가능하고 현재 설정을 상태에서 확인할 수 있도록 구현</a:t>
-            </a:r>
-            <a:endParaRPr lang="en-US" altLang="ko-KR" sz="1200" dirty="0"/>
-          </a:p>
-        </p:txBody>
-      </p:sp>
-      <p:sp>
-        <p:nvSpPr>
-          <p:cNvPr id="8" name="TextBox 7"/>
-          <p:cNvSpPr txBox="1"/>
-          <p:nvPr/>
-        </p:nvSpPr>
-        <p:spPr>
-          <a:xfrm>
-            <a:off x="547661" y="4624277"/>
-            <a:ext cx="3807070" cy="307777"/>
-          </a:xfrm>
-          <a:prstGeom prst="rect">
-            <a:avLst/>
-          </a:prstGeom>
-          <a:noFill/>
-        </p:spPr>
-        <p:txBody>
-          <a:bodyPr wrap="square" rtlCol="0">
-            <a:spAutoFit/>
-          </a:bodyPr>
-          <a:lstStyle/>
-          <a:p>
-            <a:r>
-              <a:rPr lang="ko-KR" altLang="en-US" sz="1400" dirty="0" err="1">
-                <a:ln>
-                  <a:solidFill>
-                    <a:schemeClr val="tx1"/>
-                  </a:solidFill>
-                </a:ln>
-              </a:rPr>
-              <a:t>자동개폐기</a:t>
-            </a:r>
-            <a:r>
-              <a:rPr lang="ko-KR" altLang="en-US" sz="1400" dirty="0">
-                <a:ln>
-                  <a:solidFill>
-                    <a:schemeClr val="tx1"/>
-                  </a:solidFill>
-                </a:ln>
-              </a:rPr>
-              <a:t> 클릭 시 보여주는 화면</a:t>
-            </a:r>
-          </a:p>
-        </p:txBody>
-      </p:sp>
     </p:spTree>
     <p:extLst>
       <p:ext uri="{BB962C8B-B14F-4D97-AF65-F5344CB8AC3E}">
@@ -4199,6 +4402,98 @@
           <a:chExt cx="0" cy="0"/>
         </a:xfrm>
       </p:grpSpPr>
+      <p:sp>
+        <p:nvSpPr>
+          <p:cNvPr id="10" name="TextBox 9">
+            <a:extLst>
+              <a:ext uri="{FF2B5EF4-FFF2-40B4-BE49-F238E27FC236}">
+                <a16:creationId xmlns:a16="http://schemas.microsoft.com/office/drawing/2014/main" id="{6B01E85D-AA74-4B8A-B300-0B59685570D0}"/>
+              </a:ext>
+            </a:extLst>
+          </p:cNvPr>
+          <p:cNvSpPr txBox="1"/>
+          <p:nvPr/>
+        </p:nvSpPr>
+        <p:spPr>
+          <a:xfrm>
+            <a:off x="547661" y="4976231"/>
+            <a:ext cx="8328484" cy="887615"/>
+          </a:xfrm>
+          <a:prstGeom prst="rect">
+            <a:avLst/>
+          </a:prstGeom>
+          <a:noFill/>
+        </p:spPr>
+        <p:txBody>
+          <a:bodyPr wrap="square" rtlCol="0">
+            <a:spAutoFit/>
+          </a:bodyPr>
+          <a:lstStyle/>
+          <a:p>
+            <a:pPr>
+              <a:lnSpc>
+                <a:spcPct val="150000"/>
+              </a:lnSpc>
+            </a:pPr>
+            <a:r>
+              <a:rPr lang="en-US" altLang="ko-KR" sz="1200" dirty="0"/>
+              <a:t>&lt;</a:t>
+            </a:r>
+            <a:r>
+              <a:rPr lang="ko-KR" altLang="en-US" sz="1200" dirty="0"/>
+              <a:t>상세 화면</a:t>
+            </a:r>
+            <a:r>
+              <a:rPr lang="en-US" altLang="ko-KR" sz="1200" dirty="0"/>
+              <a:t>&gt;</a:t>
+            </a:r>
+          </a:p>
+          <a:p>
+            <a:pPr marL="228600" indent="-228600">
+              <a:lnSpc>
+                <a:spcPct val="150000"/>
+              </a:lnSpc>
+              <a:buFont typeface="+mj-lt"/>
+              <a:buAutoNum type="arabicParenR"/>
+            </a:pPr>
+            <a:r>
+              <a:rPr lang="ko-KR" altLang="en-US" sz="1200" dirty="0"/>
+              <a:t>상단에 화면 목록 표시</a:t>
+            </a:r>
+            <a:endParaRPr lang="en-US" altLang="ko-KR" sz="1200" dirty="0"/>
+          </a:p>
+          <a:p>
+            <a:pPr marL="228600" indent="-228600">
+              <a:lnSpc>
+                <a:spcPct val="150000"/>
+              </a:lnSpc>
+              <a:buFont typeface="+mj-lt"/>
+              <a:buAutoNum type="arabicParenR"/>
+            </a:pPr>
+            <a:r>
+              <a:rPr lang="ko-KR" altLang="en-US" sz="1200" dirty="0"/>
+              <a:t>각 번호의 스위치를 열림</a:t>
+            </a:r>
+            <a:r>
+              <a:rPr lang="en-US" altLang="ko-KR" sz="1200" dirty="0"/>
+              <a:t>, </a:t>
+            </a:r>
+            <a:r>
+              <a:rPr lang="ko-KR" altLang="en-US" sz="1200" dirty="0"/>
+              <a:t>정지</a:t>
+            </a:r>
+            <a:r>
+              <a:rPr lang="en-US" altLang="ko-KR" sz="1200" dirty="0"/>
+              <a:t>, </a:t>
+            </a:r>
+            <a:r>
+              <a:rPr lang="ko-KR" altLang="en-US" sz="1200" dirty="0"/>
+              <a:t>닫힘으로 설정 가능</a:t>
+            </a:r>
+            <a:endParaRPr lang="en-US" altLang="ko-KR" sz="1200" dirty="0"/>
+          </a:p>
+        </p:txBody>
+      </p:sp>
       <p:pic>
         <p:nvPicPr>
           <p:cNvPr id="3" name="그림 2"/>
@@ -4221,43 +4516,8 @@
         </p:blipFill>
         <p:spPr>
           <a:xfrm>
-            <a:off x="545198" y="1219547"/>
-            <a:ext cx="4721394" cy="2793600"/>
-          </a:xfrm>
-          <a:prstGeom prst="rect">
-            <a:avLst/>
-          </a:prstGeom>
-          <a:ln>
-            <a:solidFill>
-              <a:schemeClr val="tx1"/>
-            </a:solidFill>
-          </a:ln>
-        </p:spPr>
-      </p:pic>
-      <p:pic>
-        <p:nvPicPr>
-          <p:cNvPr id="4" name="그림 3"/>
-          <p:cNvPicPr>
-            <a:picLocks noChangeAspect="1"/>
-          </p:cNvPicPr>
-          <p:nvPr/>
-        </p:nvPicPr>
-        <p:blipFill>
-          <a:blip r:embed="rId3">
-            <a:extLst>
-              <a:ext uri="{28A0092B-C50C-407E-A947-70E740481C1C}">
-                <a14:useLocalDpi xmlns:a14="http://schemas.microsoft.com/office/drawing/2010/main" val="0"/>
-              </a:ext>
-            </a:extLst>
-          </a:blip>
-          <a:stretch>
-            <a:fillRect/>
-          </a:stretch>
-        </p:blipFill>
-        <p:spPr>
-          <a:xfrm>
-            <a:off x="7095468" y="1219547"/>
-            <a:ext cx="4718115" cy="2793600"/>
+            <a:off x="388800" y="1213201"/>
+            <a:ext cx="4719600" cy="2792539"/>
           </a:xfrm>
           <a:prstGeom prst="rect">
             <a:avLst/>
@@ -4359,94 +4619,6 @@
       </p:sp>
       <p:sp>
         <p:nvSpPr>
-          <p:cNvPr id="15" name="TextBox 14"/>
-          <p:cNvSpPr txBox="1"/>
-          <p:nvPr/>
-        </p:nvSpPr>
-        <p:spPr>
-          <a:xfrm>
-            <a:off x="547661" y="4976231"/>
-            <a:ext cx="7517423" cy="276999"/>
-          </a:xfrm>
-          <a:prstGeom prst="rect">
-            <a:avLst/>
-          </a:prstGeom>
-          <a:noFill/>
-        </p:spPr>
-        <p:txBody>
-          <a:bodyPr wrap="square" rtlCol="0">
-            <a:spAutoFit/>
-          </a:bodyPr>
-          <a:lstStyle/>
-          <a:p>
-            <a:r>
-              <a:rPr lang="en-US" altLang="ko-KR" sz="1200" dirty="0"/>
-              <a:t>&lt;</a:t>
-            </a:r>
-            <a:r>
-              <a:rPr lang="ko-KR" altLang="en-US" sz="1200" dirty="0"/>
-              <a:t>상세 화면</a:t>
-            </a:r>
-            <a:r>
-              <a:rPr lang="en-US" altLang="ko-KR" sz="1200" dirty="0"/>
-              <a:t>&gt;</a:t>
-            </a:r>
-            <a:endParaRPr lang="ko-KR" altLang="en-US" sz="1200" dirty="0"/>
-          </a:p>
-        </p:txBody>
-      </p:sp>
-      <p:sp>
-        <p:nvSpPr>
-          <p:cNvPr id="16" name="TextBox 15"/>
-          <p:cNvSpPr txBox="1"/>
-          <p:nvPr/>
-        </p:nvSpPr>
-        <p:spPr>
-          <a:xfrm>
-            <a:off x="547661" y="5297407"/>
-            <a:ext cx="7033847" cy="276999"/>
-          </a:xfrm>
-          <a:prstGeom prst="rect">
-            <a:avLst/>
-          </a:prstGeom>
-          <a:noFill/>
-        </p:spPr>
-        <p:txBody>
-          <a:bodyPr wrap="square" rtlCol="0">
-            <a:spAutoFit/>
-          </a:bodyPr>
-          <a:lstStyle/>
-          <a:p>
-            <a:r>
-              <a:rPr lang="en-US" altLang="ko-KR" sz="1200" dirty="0"/>
-              <a:t>(1)</a:t>
-            </a:r>
-            <a:r>
-              <a:rPr lang="ko-KR" altLang="en-US" sz="1200" dirty="0"/>
-              <a:t> 각 번호의 스위치를 열림</a:t>
-            </a:r>
-            <a:r>
-              <a:rPr lang="en-US" altLang="ko-KR" sz="1200" dirty="0"/>
-              <a:t>, </a:t>
-            </a:r>
-            <a:r>
-              <a:rPr lang="ko-KR" altLang="en-US" sz="1200" dirty="0"/>
-              <a:t>정지</a:t>
-            </a:r>
-            <a:r>
-              <a:rPr lang="en-US" altLang="ko-KR" sz="1200" dirty="0"/>
-              <a:t>, </a:t>
-            </a:r>
-            <a:r>
-              <a:rPr lang="ko-KR" altLang="en-US" sz="1200" dirty="0"/>
-              <a:t>닫힘으로 설정 가능</a:t>
-            </a:r>
-            <a:endParaRPr lang="en-US" altLang="ko-KR" sz="1200" dirty="0"/>
-          </a:p>
-        </p:txBody>
-      </p:sp>
-      <p:sp>
-        <p:nvSpPr>
           <p:cNvPr id="18" name="TextBox 17"/>
           <p:cNvSpPr txBox="1"/>
           <p:nvPr/>
@@ -4487,6 +4659,139 @@
               </a:rPr>
               <a:t> 클릭 시 보여주는 화면</a:t>
             </a:r>
+          </a:p>
+        </p:txBody>
+      </p:sp>
+      <p:sp>
+        <p:nvSpPr>
+          <p:cNvPr id="11" name="직사각형 10">
+            <a:extLst>
+              <a:ext uri="{FF2B5EF4-FFF2-40B4-BE49-F238E27FC236}">
+                <a16:creationId xmlns:a16="http://schemas.microsoft.com/office/drawing/2014/main" id="{845B90EB-1C73-426D-9BB8-CF5E5E4AB463}"/>
+              </a:ext>
+            </a:extLst>
+          </p:cNvPr>
+          <p:cNvSpPr/>
+          <p:nvPr/>
+        </p:nvSpPr>
+        <p:spPr>
+          <a:xfrm>
+            <a:off x="-1" y="223494"/>
+            <a:ext cx="12192001" cy="4265379"/>
+          </a:xfrm>
+          <a:prstGeom prst="rect">
+            <a:avLst/>
+          </a:prstGeom>
+          <a:noFill/>
+          <a:ln w="19050">
+            <a:solidFill>
+              <a:srgbClr val="126447"/>
+            </a:solidFill>
+          </a:ln>
+        </p:spPr>
+        <p:style>
+          <a:lnRef idx="2">
+            <a:schemeClr val="accent1">
+              <a:shade val="50000"/>
+            </a:schemeClr>
+          </a:lnRef>
+          <a:fillRef idx="1">
+            <a:schemeClr val="accent1"/>
+          </a:fillRef>
+          <a:effectRef idx="0">
+            <a:schemeClr val="accent1"/>
+          </a:effectRef>
+          <a:fontRef idx="minor">
+            <a:schemeClr val="lt1"/>
+          </a:fontRef>
+        </p:style>
+        <p:txBody>
+          <a:bodyPr rtlCol="0" anchor="ctr"/>
+          <a:lstStyle/>
+          <a:p>
+            <a:pPr algn="ctr"/>
+            <a:endParaRPr lang="ko-KR" altLang="en-US">
+              <a:latin typeface="+mj-lt"/>
+            </a:endParaRPr>
+          </a:p>
+        </p:txBody>
+      </p:sp>
+      <p:pic>
+        <p:nvPicPr>
+          <p:cNvPr id="5" name="그림 4">
+            <a:extLst>
+              <a:ext uri="{FF2B5EF4-FFF2-40B4-BE49-F238E27FC236}">
+                <a16:creationId xmlns:a16="http://schemas.microsoft.com/office/drawing/2014/main" id="{883FAB1F-0D12-4495-9DAA-A2771CE10248}"/>
+              </a:ext>
+            </a:extLst>
+          </p:cNvPr>
+          <p:cNvPicPr preferRelativeResize="0">
+            <a:picLocks/>
+          </p:cNvPicPr>
+          <p:nvPr/>
+        </p:nvPicPr>
+        <p:blipFill>
+          <a:blip r:embed="rId3"/>
+          <a:stretch>
+            <a:fillRect/>
+          </a:stretch>
+        </p:blipFill>
+        <p:spPr>
+          <a:xfrm>
+            <a:off x="6404400" y="1169470"/>
+            <a:ext cx="5400000" cy="2880000"/>
+          </a:xfrm>
+          <a:prstGeom prst="rect">
+            <a:avLst/>
+          </a:prstGeom>
+          <a:ln>
+            <a:solidFill>
+              <a:schemeClr val="tx1"/>
+            </a:solidFill>
+          </a:ln>
+        </p:spPr>
+      </p:pic>
+      <p:sp>
+        <p:nvSpPr>
+          <p:cNvPr id="14" name="화살표: 오른쪽 13">
+            <a:extLst>
+              <a:ext uri="{FF2B5EF4-FFF2-40B4-BE49-F238E27FC236}">
+                <a16:creationId xmlns:a16="http://schemas.microsoft.com/office/drawing/2014/main" id="{AFACC7DA-DF1E-41FA-BCF8-2B3B82A722DF}"/>
+              </a:ext>
+            </a:extLst>
+          </p:cNvPr>
+          <p:cNvSpPr/>
+          <p:nvPr/>
+        </p:nvSpPr>
+        <p:spPr>
+          <a:xfrm>
+            <a:off x="5352526" y="2347223"/>
+            <a:ext cx="805880" cy="526473"/>
+          </a:xfrm>
+          <a:prstGeom prst="rightArrow">
+            <a:avLst/>
+          </a:prstGeom>
+        </p:spPr>
+        <p:style>
+          <a:lnRef idx="0">
+            <a:schemeClr val="accent3"/>
+          </a:lnRef>
+          <a:fillRef idx="3">
+            <a:schemeClr val="accent3"/>
+          </a:fillRef>
+          <a:effectRef idx="3">
+            <a:schemeClr val="accent3"/>
+          </a:effectRef>
+          <a:fontRef idx="minor">
+            <a:schemeClr val="lt1"/>
+          </a:fontRef>
+        </p:style>
+        <p:txBody>
+          <a:bodyPr rtlCol="0" anchor="ctr"/>
+          <a:lstStyle/>
+          <a:p>
+            <a:pPr algn="ctr"/>
+            <a:endParaRPr lang="ko-KR" altLang="en-US"/>
           </a:p>
         </p:txBody>
       </p:sp>
@@ -4520,6 +4825,118 @@
           <a:chExt cx="0" cy="0"/>
         </a:xfrm>
       </p:grpSpPr>
+      <p:sp>
+        <p:nvSpPr>
+          <p:cNvPr id="11" name="TextBox 10">
+            <a:extLst>
+              <a:ext uri="{FF2B5EF4-FFF2-40B4-BE49-F238E27FC236}">
+                <a16:creationId xmlns:a16="http://schemas.microsoft.com/office/drawing/2014/main" id="{9887B58D-864A-4F92-9523-984B18F6FE98}"/>
+              </a:ext>
+            </a:extLst>
+          </p:cNvPr>
+          <p:cNvSpPr txBox="1"/>
+          <p:nvPr/>
+        </p:nvSpPr>
+        <p:spPr>
+          <a:xfrm>
+            <a:off x="547661" y="4976231"/>
+            <a:ext cx="8328484" cy="1441613"/>
+          </a:xfrm>
+          <a:prstGeom prst="rect">
+            <a:avLst/>
+          </a:prstGeom>
+          <a:noFill/>
+        </p:spPr>
+        <p:txBody>
+          <a:bodyPr wrap="square" rtlCol="0">
+            <a:spAutoFit/>
+          </a:bodyPr>
+          <a:lstStyle/>
+          <a:p>
+            <a:pPr>
+              <a:lnSpc>
+                <a:spcPct val="150000"/>
+              </a:lnSpc>
+            </a:pPr>
+            <a:r>
+              <a:rPr lang="en-US" altLang="ko-KR" sz="1200" dirty="0"/>
+              <a:t>&lt;</a:t>
+            </a:r>
+            <a:r>
+              <a:rPr lang="ko-KR" altLang="en-US" sz="1200" dirty="0"/>
+              <a:t>상세 화면</a:t>
+            </a:r>
+            <a:r>
+              <a:rPr lang="en-US" altLang="ko-KR" sz="1200" dirty="0"/>
+              <a:t>&gt;</a:t>
+            </a:r>
+          </a:p>
+          <a:p>
+            <a:pPr marL="228600" indent="-228600">
+              <a:lnSpc>
+                <a:spcPct val="150000"/>
+              </a:lnSpc>
+              <a:buFont typeface="+mj-lt"/>
+              <a:buAutoNum type="arabicParenR"/>
+            </a:pPr>
+            <a:r>
+              <a:rPr lang="ko-KR" altLang="en-US" sz="1200" dirty="0"/>
+              <a:t>상단에 화면 목록 표시</a:t>
+            </a:r>
+            <a:endParaRPr lang="en-US" altLang="ko-KR" sz="1200" dirty="0"/>
+          </a:p>
+          <a:p>
+            <a:pPr marL="228600" indent="-228600">
+              <a:lnSpc>
+                <a:spcPct val="150000"/>
+              </a:lnSpc>
+              <a:buFont typeface="+mj-lt"/>
+              <a:buAutoNum type="arabicParenR"/>
+            </a:pPr>
+            <a:r>
+              <a:rPr lang="ko-KR" altLang="en-US" sz="1200" dirty="0"/>
+              <a:t>급수 요일을 지정할 수 있도록 구현</a:t>
+            </a:r>
+            <a:endParaRPr lang="en-US" altLang="ko-KR" sz="1200" dirty="0"/>
+          </a:p>
+          <a:p>
+            <a:pPr marL="228600" indent="-228600">
+              <a:lnSpc>
+                <a:spcPct val="150000"/>
+              </a:lnSpc>
+              <a:buFont typeface="+mj-lt"/>
+              <a:buAutoNum type="arabicParenR"/>
+            </a:pPr>
+            <a:r>
+              <a:rPr lang="ko-KR" altLang="en-US" sz="1200" dirty="0"/>
+              <a:t>밸브 수에 맞춰 관수 정보가 나타나도록 구현</a:t>
+            </a:r>
+            <a:endParaRPr lang="en-US" altLang="ko-KR" sz="1200" dirty="0"/>
+          </a:p>
+          <a:p>
+            <a:pPr marL="228600" indent="-228600">
+              <a:lnSpc>
+                <a:spcPct val="150000"/>
+              </a:lnSpc>
+              <a:buFont typeface="+mj-lt"/>
+              <a:buAutoNum type="arabicParenR"/>
+            </a:pPr>
+            <a:r>
+              <a:rPr lang="ko-KR" altLang="en-US" sz="1200" dirty="0"/>
+              <a:t>관수 </a:t>
+            </a:r>
+            <a:r>
+              <a:rPr lang="en-US" altLang="ko-KR" sz="1200" dirty="0"/>
+              <a:t>ON </a:t>
+            </a:r>
+            <a:r>
+              <a:rPr lang="ko-KR" altLang="en-US" sz="1200" dirty="0"/>
+              <a:t>후 급수 시간 및 공급 시간 설정 가능</a:t>
+            </a:r>
+            <a:endParaRPr lang="en-US" altLang="ko-KR" sz="1200" dirty="0"/>
+          </a:p>
+        </p:txBody>
+      </p:sp>
       <p:pic>
         <p:nvPicPr>
           <p:cNvPr id="3" name="그림 2"/>
@@ -4542,8 +4959,8 @@
         </p:blipFill>
         <p:spPr>
           <a:xfrm>
-            <a:off x="557959" y="1180907"/>
-            <a:ext cx="4717090" cy="2793600"/>
+            <a:off x="388800" y="1213200"/>
+            <a:ext cx="4719600" cy="2795086"/>
           </a:xfrm>
           <a:prstGeom prst="rect">
             <a:avLst/>
@@ -4643,30 +5060,163 @@
           </a:p>
         </p:txBody>
       </p:sp>
+      <p:sp>
+        <p:nvSpPr>
+          <p:cNvPr id="22" name="TextBox 21"/>
+          <p:cNvSpPr txBox="1"/>
+          <p:nvPr/>
+        </p:nvSpPr>
+        <p:spPr>
+          <a:xfrm>
+            <a:off x="547661" y="4624277"/>
+            <a:ext cx="3807070" cy="307777"/>
+          </a:xfrm>
+          <a:prstGeom prst="rect">
+            <a:avLst/>
+          </a:prstGeom>
+          <a:noFill/>
+        </p:spPr>
+        <p:txBody>
+          <a:bodyPr wrap="square" rtlCol="0">
+            <a:spAutoFit/>
+          </a:bodyPr>
+          <a:lstStyle/>
+          <a:p>
+            <a:r>
+              <a:rPr lang="ko-KR" altLang="en-US" sz="1400" dirty="0">
+                <a:ln>
+                  <a:solidFill>
+                    <a:schemeClr val="tx1"/>
+                  </a:solidFill>
+                </a:ln>
+              </a:rPr>
+              <a:t>관수 클릭 시 보여주는 화면</a:t>
+            </a:r>
+          </a:p>
+        </p:txBody>
+      </p:sp>
+      <p:sp>
+        <p:nvSpPr>
+          <p:cNvPr id="12" name="직사각형 11">
+            <a:extLst>
+              <a:ext uri="{FF2B5EF4-FFF2-40B4-BE49-F238E27FC236}">
+                <a16:creationId xmlns:a16="http://schemas.microsoft.com/office/drawing/2014/main" id="{AB28AAB5-53B8-4EE6-91CF-F28CB4DEE8F6}"/>
+              </a:ext>
+            </a:extLst>
+          </p:cNvPr>
+          <p:cNvSpPr/>
+          <p:nvPr/>
+        </p:nvSpPr>
+        <p:spPr>
+          <a:xfrm>
+            <a:off x="-1" y="223494"/>
+            <a:ext cx="12192001" cy="4265379"/>
+          </a:xfrm>
+          <a:prstGeom prst="rect">
+            <a:avLst/>
+          </a:prstGeom>
+          <a:noFill/>
+          <a:ln w="19050">
+            <a:solidFill>
+              <a:srgbClr val="126447"/>
+            </a:solidFill>
+          </a:ln>
+        </p:spPr>
+        <p:style>
+          <a:lnRef idx="2">
+            <a:schemeClr val="accent1">
+              <a:shade val="50000"/>
+            </a:schemeClr>
+          </a:lnRef>
+          <a:fillRef idx="1">
+            <a:schemeClr val="accent1"/>
+          </a:fillRef>
+          <a:effectRef idx="0">
+            <a:schemeClr val="accent1"/>
+          </a:effectRef>
+          <a:fontRef idx="minor">
+            <a:schemeClr val="lt1"/>
+          </a:fontRef>
+        </p:style>
+        <p:txBody>
+          <a:bodyPr rtlCol="0" anchor="ctr"/>
+          <a:lstStyle/>
+          <a:p>
+            <a:pPr algn="ctr"/>
+            <a:endParaRPr lang="ko-KR" altLang="en-US">
+              <a:latin typeface="+mj-lt"/>
+            </a:endParaRPr>
+          </a:p>
+        </p:txBody>
+      </p:sp>
+      <p:sp>
+        <p:nvSpPr>
+          <p:cNvPr id="13" name="화살표: 오른쪽 12">
+            <a:extLst>
+              <a:ext uri="{FF2B5EF4-FFF2-40B4-BE49-F238E27FC236}">
+                <a16:creationId xmlns:a16="http://schemas.microsoft.com/office/drawing/2014/main" id="{44EA2452-D82B-4FDA-BA1A-AAFF0DF1C88B}"/>
+              </a:ext>
+            </a:extLst>
+          </p:cNvPr>
+          <p:cNvSpPr/>
+          <p:nvPr/>
+        </p:nvSpPr>
+        <p:spPr>
+          <a:xfrm>
+            <a:off x="5352526" y="2347223"/>
+            <a:ext cx="805880" cy="526473"/>
+          </a:xfrm>
+          <a:prstGeom prst="rightArrow">
+            <a:avLst/>
+          </a:prstGeom>
+        </p:spPr>
+        <p:style>
+          <a:lnRef idx="0">
+            <a:schemeClr val="accent3"/>
+          </a:lnRef>
+          <a:fillRef idx="3">
+            <a:schemeClr val="accent3"/>
+          </a:fillRef>
+          <a:effectRef idx="3">
+            <a:schemeClr val="accent3"/>
+          </a:effectRef>
+          <a:fontRef idx="minor">
+            <a:schemeClr val="lt1"/>
+          </a:fontRef>
+        </p:style>
+        <p:txBody>
+          <a:bodyPr rtlCol="0" anchor="ctr"/>
+          <a:lstStyle/>
+          <a:p>
+            <a:pPr algn="ctr"/>
+            <a:endParaRPr lang="ko-KR" altLang="en-US"/>
+          </a:p>
+        </p:txBody>
+      </p:sp>
       <p:pic>
         <p:nvPicPr>
-          <p:cNvPr id="4" name="그림 3"/>
-          <p:cNvPicPr>
-            <a:picLocks noChangeAspect="1"/>
+          <p:cNvPr id="7" name="그림 6">
+            <a:extLst>
+              <a:ext uri="{FF2B5EF4-FFF2-40B4-BE49-F238E27FC236}">
+                <a16:creationId xmlns:a16="http://schemas.microsoft.com/office/drawing/2014/main" id="{C0180B27-D0C8-49DB-A9AD-4644EA3ED89C}"/>
+              </a:ext>
+            </a:extLst>
+          </p:cNvPr>
+          <p:cNvPicPr preferRelativeResize="0">
+            <a:picLocks/>
           </p:cNvPicPr>
           <p:nvPr/>
         </p:nvPicPr>
         <p:blipFill>
-          <a:blip r:embed="rId3">
-            <a:extLst>
-              <a:ext uri="{28A0092B-C50C-407E-A947-70E740481C1C}">
-                <a14:useLocalDpi xmlns:a14="http://schemas.microsoft.com/office/drawing/2010/main" val="0"/>
-              </a:ext>
-            </a:extLst>
-          </a:blip>
+          <a:blip r:embed="rId3"/>
           <a:stretch>
             <a:fillRect/>
           </a:stretch>
         </p:blipFill>
         <p:spPr>
           <a:xfrm>
-            <a:off x="7099434" y="1180907"/>
-            <a:ext cx="4717426" cy="2793600"/>
+            <a:off x="6404400" y="1260743"/>
+            <a:ext cx="5400000" cy="2700000"/>
           </a:xfrm>
           <a:prstGeom prst="rect">
             <a:avLst/>
@@ -4678,155 +5228,6 @@
           </a:ln>
         </p:spPr>
       </p:pic>
-      <p:sp>
-        <p:nvSpPr>
-          <p:cNvPr id="19" name="TextBox 18"/>
-          <p:cNvSpPr txBox="1"/>
-          <p:nvPr/>
-        </p:nvSpPr>
-        <p:spPr>
-          <a:xfrm>
-            <a:off x="547661" y="4976231"/>
-            <a:ext cx="7517423" cy="276999"/>
-          </a:xfrm>
-          <a:prstGeom prst="rect">
-            <a:avLst/>
-          </a:prstGeom>
-          <a:noFill/>
-        </p:spPr>
-        <p:txBody>
-          <a:bodyPr wrap="square" rtlCol="0">
-            <a:spAutoFit/>
-          </a:bodyPr>
-          <a:lstStyle/>
-          <a:p>
-            <a:r>
-              <a:rPr lang="en-US" altLang="ko-KR" sz="1200" dirty="0"/>
-              <a:t>&lt;</a:t>
-            </a:r>
-            <a:r>
-              <a:rPr lang="ko-KR" altLang="en-US" sz="1200" dirty="0"/>
-              <a:t>상세 화면</a:t>
-            </a:r>
-            <a:r>
-              <a:rPr lang="en-US" altLang="ko-KR" sz="1200" dirty="0"/>
-              <a:t>&gt;</a:t>
-            </a:r>
-            <a:endParaRPr lang="ko-KR" altLang="en-US" sz="1200" dirty="0"/>
-          </a:p>
-        </p:txBody>
-      </p:sp>
-      <p:sp>
-        <p:nvSpPr>
-          <p:cNvPr id="20" name="TextBox 19"/>
-          <p:cNvSpPr txBox="1"/>
-          <p:nvPr/>
-        </p:nvSpPr>
-        <p:spPr>
-          <a:xfrm>
-            <a:off x="547661" y="5297407"/>
-            <a:ext cx="7033847" cy="276999"/>
-          </a:xfrm>
-          <a:prstGeom prst="rect">
-            <a:avLst/>
-          </a:prstGeom>
-          <a:noFill/>
-        </p:spPr>
-        <p:txBody>
-          <a:bodyPr wrap="square" rtlCol="0">
-            <a:spAutoFit/>
-          </a:bodyPr>
-          <a:lstStyle/>
-          <a:p>
-            <a:r>
-              <a:rPr lang="en-US" altLang="ko-KR" sz="1200" dirty="0"/>
-              <a:t>(1)</a:t>
-            </a:r>
-            <a:r>
-              <a:rPr lang="ko-KR" altLang="en-US" sz="1200" dirty="0"/>
-              <a:t> 급수 요일을 지정할 수 있도록 구현</a:t>
-            </a:r>
-            <a:endParaRPr lang="en-US" altLang="ko-KR" sz="1200" dirty="0"/>
-          </a:p>
-        </p:txBody>
-      </p:sp>
-      <p:sp>
-        <p:nvSpPr>
-          <p:cNvPr id="21" name="TextBox 20"/>
-          <p:cNvSpPr txBox="1"/>
-          <p:nvPr/>
-        </p:nvSpPr>
-        <p:spPr>
-          <a:xfrm>
-            <a:off x="547661" y="5574406"/>
-            <a:ext cx="7842739" cy="276999"/>
-          </a:xfrm>
-          <a:prstGeom prst="rect">
-            <a:avLst/>
-          </a:prstGeom>
-          <a:noFill/>
-        </p:spPr>
-        <p:txBody>
-          <a:bodyPr wrap="square" rtlCol="0">
-            <a:spAutoFit/>
-          </a:bodyPr>
-          <a:lstStyle/>
-          <a:p>
-            <a:r>
-              <a:rPr lang="en-US" altLang="ko-KR" sz="1200" dirty="0"/>
-              <a:t>(2)</a:t>
-            </a:r>
-            <a:r>
-              <a:rPr lang="ko-KR" altLang="en-US" sz="1200" dirty="0"/>
-              <a:t> 관수 </a:t>
-            </a:r>
-            <a:r>
-              <a:rPr lang="en-US" altLang="ko-KR" sz="1200" dirty="0"/>
-              <a:t>ON </a:t>
-            </a:r>
-            <a:r>
-              <a:rPr lang="ko-KR" altLang="en-US" sz="1200" dirty="0"/>
-              <a:t>후 급수 시간 및 공급 시간 설정 가능</a:t>
-            </a:r>
-            <a:endParaRPr lang="en-US" altLang="ko-KR" sz="1200" dirty="0"/>
-          </a:p>
-        </p:txBody>
-      </p:sp>
-      <p:sp>
-        <p:nvSpPr>
-          <p:cNvPr id="22" name="TextBox 21"/>
-          <p:cNvSpPr txBox="1"/>
-          <p:nvPr/>
-        </p:nvSpPr>
-        <p:spPr>
-          <a:xfrm>
-            <a:off x="547661" y="4624277"/>
-            <a:ext cx="3807070" cy="307777"/>
-          </a:xfrm>
-          <a:prstGeom prst="rect">
-            <a:avLst/>
-          </a:prstGeom>
-          <a:noFill/>
-        </p:spPr>
-        <p:txBody>
-          <a:bodyPr wrap="square" rtlCol="0">
-            <a:spAutoFit/>
-          </a:bodyPr>
-          <a:lstStyle/>
-          <a:p>
-            <a:r>
-              <a:rPr lang="ko-KR" altLang="en-US" sz="1400" dirty="0">
-                <a:ln>
-                  <a:solidFill>
-                    <a:schemeClr val="tx1"/>
-                  </a:solidFill>
-                </a:ln>
-              </a:rPr>
-              <a:t>관수 클릭 시 보여주는 화면</a:t>
-            </a:r>
-          </a:p>
-        </p:txBody>
-      </p:sp>
     </p:spTree>
     <p:extLst>
       <p:ext uri="{BB962C8B-B14F-4D97-AF65-F5344CB8AC3E}">
@@ -4857,6 +5258,96 @@
           <a:chExt cx="0" cy="0"/>
         </a:xfrm>
       </p:grpSpPr>
+      <p:sp>
+        <p:nvSpPr>
+          <p:cNvPr id="11" name="TextBox 10">
+            <a:extLst>
+              <a:ext uri="{FF2B5EF4-FFF2-40B4-BE49-F238E27FC236}">
+                <a16:creationId xmlns:a16="http://schemas.microsoft.com/office/drawing/2014/main" id="{A574EA0A-4A92-44EB-89C2-A8DB0896CE12}"/>
+              </a:ext>
+            </a:extLst>
+          </p:cNvPr>
+          <p:cNvSpPr txBox="1"/>
+          <p:nvPr/>
+        </p:nvSpPr>
+        <p:spPr>
+          <a:xfrm>
+            <a:off x="547661" y="4976231"/>
+            <a:ext cx="8328484" cy="1164614"/>
+          </a:xfrm>
+          <a:prstGeom prst="rect">
+            <a:avLst/>
+          </a:prstGeom>
+          <a:noFill/>
+        </p:spPr>
+        <p:txBody>
+          <a:bodyPr wrap="square" rtlCol="0">
+            <a:spAutoFit/>
+          </a:bodyPr>
+          <a:lstStyle/>
+          <a:p>
+            <a:pPr>
+              <a:lnSpc>
+                <a:spcPct val="150000"/>
+              </a:lnSpc>
+            </a:pPr>
+            <a:r>
+              <a:rPr lang="en-US" altLang="ko-KR" sz="1200" dirty="0"/>
+              <a:t>&lt;</a:t>
+            </a:r>
+            <a:r>
+              <a:rPr lang="ko-KR" altLang="en-US" sz="1200" dirty="0"/>
+              <a:t>상세 화면</a:t>
+            </a:r>
+            <a:r>
+              <a:rPr lang="en-US" altLang="ko-KR" sz="1200" dirty="0"/>
+              <a:t>&gt;</a:t>
+            </a:r>
+          </a:p>
+          <a:p>
+            <a:pPr marL="228600" indent="-228600">
+              <a:lnSpc>
+                <a:spcPct val="150000"/>
+              </a:lnSpc>
+              <a:buFont typeface="+mj-lt"/>
+              <a:buAutoNum type="arabicParenR"/>
+            </a:pPr>
+            <a:r>
+              <a:rPr lang="ko-KR" altLang="en-US" sz="1200" dirty="0"/>
+              <a:t>상단에 화면 목록 표시</a:t>
+            </a:r>
+            <a:endParaRPr lang="en-US" altLang="ko-KR" sz="1200" dirty="0"/>
+          </a:p>
+          <a:p>
+            <a:pPr marL="228600" indent="-228600">
+              <a:lnSpc>
+                <a:spcPct val="150000"/>
+              </a:lnSpc>
+              <a:buFont typeface="+mj-lt"/>
+              <a:buAutoNum type="arabicParenR"/>
+            </a:pPr>
+            <a:r>
+              <a:rPr lang="ko-KR" altLang="en-US" sz="1200" dirty="0"/>
+              <a:t>개폐 시간 설정 가능</a:t>
+            </a:r>
+            <a:endParaRPr lang="en-US" altLang="ko-KR" sz="1200" dirty="0"/>
+          </a:p>
+          <a:p>
+            <a:pPr marL="228600" indent="-228600">
+              <a:lnSpc>
+                <a:spcPct val="150000"/>
+              </a:lnSpc>
+              <a:buFont typeface="+mj-lt"/>
+              <a:buAutoNum type="arabicParenR"/>
+            </a:pPr>
+            <a:r>
+              <a:rPr lang="ko-KR" altLang="en-US" sz="1200" dirty="0"/>
+              <a:t>지정해 놓은 값들을 표에 알맞게 출력 되도록 구현</a:t>
+            </a:r>
+            <a:endParaRPr lang="en-US" altLang="ko-KR" sz="1200" dirty="0"/>
+          </a:p>
+        </p:txBody>
+      </p:sp>
       <p:pic>
         <p:nvPicPr>
           <p:cNvPr id="2" name="그림 1"/>
@@ -4879,43 +5370,8 @@
         </p:blipFill>
         <p:spPr>
           <a:xfrm>
-            <a:off x="556099" y="1171956"/>
+            <a:off x="388800" y="1213200"/>
             <a:ext cx="4717650" cy="2793600"/>
-          </a:xfrm>
-          <a:prstGeom prst="rect">
-            <a:avLst/>
-          </a:prstGeom>
-          <a:ln>
-            <a:solidFill>
-              <a:schemeClr val="tx1"/>
-            </a:solidFill>
-          </a:ln>
-        </p:spPr>
-      </p:pic>
-      <p:pic>
-        <p:nvPicPr>
-          <p:cNvPr id="3" name="그림 2"/>
-          <p:cNvPicPr>
-            <a:picLocks noChangeAspect="1"/>
-          </p:cNvPicPr>
-          <p:nvPr/>
-        </p:nvPicPr>
-        <p:blipFill>
-          <a:blip r:embed="rId3">
-            <a:extLst>
-              <a:ext uri="{28A0092B-C50C-407E-A947-70E740481C1C}">
-                <a14:useLocalDpi xmlns:a14="http://schemas.microsoft.com/office/drawing/2010/main" val="0"/>
-              </a:ext>
-            </a:extLst>
-          </a:blip>
-          <a:stretch>
-            <a:fillRect/>
-          </a:stretch>
-        </p:blipFill>
-        <p:spPr>
-          <a:xfrm>
-            <a:off x="7086832" y="1172924"/>
-            <a:ext cx="4719600" cy="2792632"/>
           </a:xfrm>
           <a:prstGeom prst="rect">
             <a:avLst/>
@@ -5017,112 +5473,6 @@
       </p:sp>
       <p:sp>
         <p:nvSpPr>
-          <p:cNvPr id="15" name="TextBox 14"/>
-          <p:cNvSpPr txBox="1"/>
-          <p:nvPr/>
-        </p:nvSpPr>
-        <p:spPr>
-          <a:xfrm>
-            <a:off x="547661" y="4976231"/>
-            <a:ext cx="7517423" cy="276999"/>
-          </a:xfrm>
-          <a:prstGeom prst="rect">
-            <a:avLst/>
-          </a:prstGeom>
-          <a:noFill/>
-        </p:spPr>
-        <p:txBody>
-          <a:bodyPr wrap="square" rtlCol="0">
-            <a:spAutoFit/>
-          </a:bodyPr>
-          <a:lstStyle/>
-          <a:p>
-            <a:r>
-              <a:rPr lang="en-US" altLang="ko-KR" sz="1200" dirty="0"/>
-              <a:t>&lt;</a:t>
-            </a:r>
-            <a:r>
-              <a:rPr lang="ko-KR" altLang="en-US" sz="1200" dirty="0"/>
-              <a:t>상세 화면</a:t>
-            </a:r>
-            <a:r>
-              <a:rPr lang="en-US" altLang="ko-KR" sz="1200" dirty="0"/>
-              <a:t>&gt;</a:t>
-            </a:r>
-            <a:endParaRPr lang="ko-KR" altLang="en-US" sz="1200" dirty="0"/>
-          </a:p>
-        </p:txBody>
-      </p:sp>
-      <p:sp>
-        <p:nvSpPr>
-          <p:cNvPr id="16" name="TextBox 15"/>
-          <p:cNvSpPr txBox="1"/>
-          <p:nvPr/>
-        </p:nvSpPr>
-        <p:spPr>
-          <a:xfrm>
-            <a:off x="547661" y="5297407"/>
-            <a:ext cx="7033847" cy="276999"/>
-          </a:xfrm>
-          <a:prstGeom prst="rect">
-            <a:avLst/>
-          </a:prstGeom>
-          <a:noFill/>
-        </p:spPr>
-        <p:txBody>
-          <a:bodyPr wrap="square" rtlCol="0">
-            <a:spAutoFit/>
-          </a:bodyPr>
-          <a:lstStyle/>
-          <a:p>
-            <a:r>
-              <a:rPr lang="en-US" altLang="ko-KR" sz="1200" dirty="0"/>
-              <a:t>(1)</a:t>
-            </a:r>
-            <a:r>
-              <a:rPr lang="ko-KR" altLang="en-US" sz="1200" dirty="0"/>
-              <a:t> 개폐 시간 설정 가능</a:t>
-            </a:r>
-            <a:endParaRPr lang="en-US" altLang="ko-KR" sz="1200" dirty="0"/>
-          </a:p>
-        </p:txBody>
-      </p:sp>
-      <p:sp>
-        <p:nvSpPr>
-          <p:cNvPr id="17" name="TextBox 16"/>
-          <p:cNvSpPr txBox="1"/>
-          <p:nvPr/>
-        </p:nvSpPr>
-        <p:spPr>
-          <a:xfrm>
-            <a:off x="547661" y="5574406"/>
-            <a:ext cx="7842739" cy="276999"/>
-          </a:xfrm>
-          <a:prstGeom prst="rect">
-            <a:avLst/>
-          </a:prstGeom>
-          <a:noFill/>
-        </p:spPr>
-        <p:txBody>
-          <a:bodyPr wrap="square" rtlCol="0">
-            <a:spAutoFit/>
-          </a:bodyPr>
-          <a:lstStyle/>
-          <a:p>
-            <a:r>
-              <a:rPr lang="en-US" altLang="ko-KR" sz="1200" dirty="0"/>
-              <a:t>(2)</a:t>
-            </a:r>
-            <a:r>
-              <a:rPr lang="ko-KR" altLang="en-US" sz="1200" dirty="0"/>
-              <a:t> 지정해 놓은 값들을 표에 알맞게 출력 되도록 구현</a:t>
-            </a:r>
-            <a:endParaRPr lang="en-US" altLang="ko-KR" sz="1200" dirty="0"/>
-          </a:p>
-        </p:txBody>
-      </p:sp>
-      <p:sp>
-        <p:nvSpPr>
           <p:cNvPr id="18" name="TextBox 17"/>
           <p:cNvSpPr txBox="1"/>
           <p:nvPr/>
@@ -5166,40 +5516,143 @@
           </a:p>
         </p:txBody>
       </p:sp>
+      <p:sp>
+        <p:nvSpPr>
+          <p:cNvPr id="12" name="직사각형 11">
+            <a:extLst>
+              <a:ext uri="{FF2B5EF4-FFF2-40B4-BE49-F238E27FC236}">
+                <a16:creationId xmlns:a16="http://schemas.microsoft.com/office/drawing/2014/main" id="{5627117F-A068-4CAB-A157-A0B6DD80C694}"/>
+              </a:ext>
+            </a:extLst>
+          </p:cNvPr>
+          <p:cNvSpPr/>
+          <p:nvPr/>
+        </p:nvSpPr>
+        <p:spPr>
+          <a:xfrm>
+            <a:off x="-1" y="223494"/>
+            <a:ext cx="12192001" cy="4265379"/>
+          </a:xfrm>
+          <a:prstGeom prst="rect">
+            <a:avLst/>
+          </a:prstGeom>
+          <a:noFill/>
+          <a:ln w="19050">
+            <a:solidFill>
+              <a:srgbClr val="126447"/>
+            </a:solidFill>
+          </a:ln>
+        </p:spPr>
+        <p:style>
+          <a:lnRef idx="2">
+            <a:schemeClr val="accent1">
+              <a:shade val="50000"/>
+            </a:schemeClr>
+          </a:lnRef>
+          <a:fillRef idx="1">
+            <a:schemeClr val="accent1"/>
+          </a:fillRef>
+          <a:effectRef idx="0">
+            <a:schemeClr val="accent1"/>
+          </a:effectRef>
+          <a:fontRef idx="minor">
+            <a:schemeClr val="lt1"/>
+          </a:fontRef>
+        </p:style>
+        <p:txBody>
+          <a:bodyPr rtlCol="0" anchor="ctr"/>
+          <a:lstStyle/>
+          <a:p>
+            <a:pPr algn="ctr"/>
+            <a:endParaRPr lang="ko-KR" altLang="en-US">
+              <a:latin typeface="+mj-lt"/>
+            </a:endParaRPr>
+          </a:p>
+        </p:txBody>
+      </p:sp>
+      <p:sp>
+        <p:nvSpPr>
+          <p:cNvPr id="19" name="화살표: 오른쪽 18">
+            <a:extLst>
+              <a:ext uri="{FF2B5EF4-FFF2-40B4-BE49-F238E27FC236}">
+                <a16:creationId xmlns:a16="http://schemas.microsoft.com/office/drawing/2014/main" id="{807FB020-2CB4-47F2-840D-6A99A49E4FF0}"/>
+              </a:ext>
+            </a:extLst>
+          </p:cNvPr>
+          <p:cNvSpPr/>
+          <p:nvPr/>
+        </p:nvSpPr>
+        <p:spPr>
+          <a:xfrm>
+            <a:off x="5352526" y="2347223"/>
+            <a:ext cx="805880" cy="526473"/>
+          </a:xfrm>
+          <a:prstGeom prst="rightArrow">
+            <a:avLst/>
+          </a:prstGeom>
+        </p:spPr>
+        <p:style>
+          <a:lnRef idx="0">
+            <a:schemeClr val="accent3"/>
+          </a:lnRef>
+          <a:fillRef idx="3">
+            <a:schemeClr val="accent3"/>
+          </a:fillRef>
+          <a:effectRef idx="3">
+            <a:schemeClr val="accent3"/>
+          </a:effectRef>
+          <a:fontRef idx="minor">
+            <a:schemeClr val="lt1"/>
+          </a:fontRef>
+        </p:style>
+        <p:txBody>
+          <a:bodyPr rtlCol="0" anchor="ctr"/>
+          <a:lstStyle/>
+          <a:p>
+            <a:pPr algn="ctr"/>
+            <a:endParaRPr lang="ko-KR" altLang="en-US"/>
+          </a:p>
+        </p:txBody>
+      </p:sp>
+      <p:pic>
+        <p:nvPicPr>
+          <p:cNvPr id="7" name="그림 6">
+            <a:extLst>
+              <a:ext uri="{FF2B5EF4-FFF2-40B4-BE49-F238E27FC236}">
+                <a16:creationId xmlns:a16="http://schemas.microsoft.com/office/drawing/2014/main" id="{835BA805-5118-453A-8287-5560A529CF8E}"/>
+              </a:ext>
+            </a:extLst>
+          </p:cNvPr>
+          <p:cNvPicPr preferRelativeResize="0">
+            <a:picLocks/>
+          </p:cNvPicPr>
+          <p:nvPr/>
+        </p:nvPicPr>
+        <p:blipFill>
+          <a:blip r:embed="rId3"/>
+          <a:stretch>
+            <a:fillRect/>
+          </a:stretch>
+        </p:blipFill>
+        <p:spPr>
+          <a:xfrm>
+            <a:off x="6404400" y="1213200"/>
+            <a:ext cx="5400000" cy="2793600"/>
+          </a:xfrm>
+          <a:prstGeom prst="rect">
+            <a:avLst/>
+          </a:prstGeom>
+          <a:ln>
+            <a:solidFill>
+              <a:schemeClr val="tx1"/>
+            </a:solidFill>
+          </a:ln>
+        </p:spPr>
+      </p:pic>
     </p:spTree>
     <p:extLst>
       <p:ext uri="{BB962C8B-B14F-4D97-AF65-F5344CB8AC3E}">
         <p14:creationId xmlns:p14="http://schemas.microsoft.com/office/powerpoint/2010/main" val="833562391"/>
-      </p:ext>
-    </p:extLst>
-  </p:cSld>
-  <p:clrMapOvr>
-    <a:masterClrMapping/>
-  </p:clrMapOvr>
-</p:sld>
-</file>
-
-<file path=ppt/slides/slide7.xml><?xml version="1.0" encoding="utf-8"?>
-<p:sld xmlns:a="http://schemas.openxmlformats.org/drawingml/2006/main" xmlns:r="http://schemas.openxmlformats.org/officeDocument/2006/relationships" xmlns:p="http://schemas.openxmlformats.org/presentationml/2006/main">
-  <p:cSld>
-    <p:spTree>
-      <p:nvGrpSpPr>
-        <p:cNvPr id="1" name=""/>
-        <p:cNvGrpSpPr/>
-        <p:nvPr/>
-      </p:nvGrpSpPr>
-      <p:grpSpPr>
-        <a:xfrm>
-          <a:off x="0" y="0"/>
-          <a:ext cx="0" cy="0"/>
-          <a:chOff x="0" y="0"/>
-          <a:chExt cx="0" cy="0"/>
-        </a:xfrm>
-      </p:grpSpPr>
-    </p:spTree>
-    <p:extLst>
-      <p:ext uri="{BB962C8B-B14F-4D97-AF65-F5344CB8AC3E}">
-        <p14:creationId xmlns:p14="http://schemas.microsoft.com/office/powerpoint/2010/main" val="2448687071"/>
       </p:ext>
     </p:extLst>
   </p:cSld>

--- a/ubifarm.pptx
+++ b/ubifarm.pptx
@@ -3331,54 +3331,6 @@
           </a:p>
         </p:txBody>
       </p:sp>
-      <p:sp>
-        <p:nvSpPr>
-          <p:cNvPr id="4" name="직사각형 3"/>
-          <p:cNvSpPr/>
-          <p:nvPr/>
-        </p:nvSpPr>
-        <p:spPr>
-          <a:xfrm>
-            <a:off x="0" y="1176023"/>
-            <a:ext cx="12192000" cy="4985238"/>
-          </a:xfrm>
-          <a:prstGeom prst="rect">
-            <a:avLst/>
-          </a:prstGeom>
-          <a:solidFill>
-            <a:schemeClr val="bg1"/>
-          </a:solidFill>
-          <a:ln>
-            <a:solidFill>
-              <a:schemeClr val="tx1"/>
-            </a:solidFill>
-          </a:ln>
-        </p:spPr>
-        <p:style>
-          <a:lnRef idx="2">
-            <a:schemeClr val="accent1">
-              <a:shade val="50000"/>
-            </a:schemeClr>
-          </a:lnRef>
-          <a:fillRef idx="1">
-            <a:schemeClr val="accent1"/>
-          </a:fillRef>
-          <a:effectRef idx="0">
-            <a:schemeClr val="accent1"/>
-          </a:effectRef>
-          <a:fontRef idx="minor">
-            <a:schemeClr val="lt1"/>
-          </a:fontRef>
-        </p:style>
-        <p:txBody>
-          <a:bodyPr rtlCol="0" anchor="ctr"/>
-          <a:lstStyle/>
-          <a:p>
-            <a:pPr algn="ctr"/>
-            <a:endParaRPr lang="ko-KR" altLang="en-US"/>
-          </a:p>
-        </p:txBody>
-      </p:sp>
       <p:grpSp>
         <p:nvGrpSpPr>
           <p:cNvPr id="3" name="그룹 2">
@@ -3875,6 +3827,60 @@
                   <a:schemeClr val="tx1"/>
                 </a:solidFill>
               </a:ln>
+            </a:endParaRPr>
+          </a:p>
+        </p:txBody>
+      </p:sp>
+      <p:sp>
+        <p:nvSpPr>
+          <p:cNvPr id="22" name="직사각형 21">
+            <a:extLst>
+              <a:ext uri="{FF2B5EF4-FFF2-40B4-BE49-F238E27FC236}">
+                <a16:creationId xmlns:a16="http://schemas.microsoft.com/office/drawing/2014/main" id="{EEDAC176-FFA2-4058-8F28-F837867E6048}"/>
+              </a:ext>
+            </a:extLst>
+          </p:cNvPr>
+          <p:cNvSpPr/>
+          <p:nvPr/>
+        </p:nvSpPr>
+        <p:spPr>
+          <a:xfrm>
+            <a:off x="-1" y="1440873"/>
+            <a:ext cx="12192001" cy="4682835"/>
+          </a:xfrm>
+          <a:prstGeom prst="rect">
+            <a:avLst/>
+          </a:prstGeom>
+          <a:noFill/>
+          <a:ln w="19050">
+            <a:solidFill>
+              <a:srgbClr val="126447"/>
+            </a:solidFill>
+          </a:ln>
+        </p:spPr>
+        <p:style>
+          <a:lnRef idx="2">
+            <a:schemeClr val="accent1">
+              <a:shade val="50000"/>
+            </a:schemeClr>
+          </a:lnRef>
+          <a:fillRef idx="1">
+            <a:schemeClr val="accent1"/>
+          </a:fillRef>
+          <a:effectRef idx="0">
+            <a:schemeClr val="accent1"/>
+          </a:effectRef>
+          <a:fontRef idx="minor">
+            <a:schemeClr val="lt1"/>
+          </a:fontRef>
+        </p:style>
+        <p:txBody>
+          <a:bodyPr rtlCol="0" anchor="ctr"/>
+          <a:lstStyle/>
+          <a:p>
+            <a:pPr algn="ctr"/>
+            <a:endParaRPr lang="ko-KR" altLang="en-US">
+              <a:latin typeface="+mj-lt"/>
             </a:endParaRPr>
           </a:p>
         </p:txBody>

--- a/ubifarm.pptx
+++ b/ubifarm.pptx
@@ -258,7 +258,7 @@
           <a:p>
             <a:fld id="{B847C6D6-EA7D-4053-B1CA-B60333B58E9B}" type="datetimeFigureOut">
               <a:rPr lang="ko-KR" altLang="en-US" smtClean="0"/>
-              <a:t>2022-02-15</a:t>
+              <a:t>2022-02-16</a:t>
             </a:fld>
             <a:endParaRPr lang="ko-KR" altLang="en-US"/>
           </a:p>
@@ -426,7 +426,7 @@
           <a:p>
             <a:fld id="{B847C6D6-EA7D-4053-B1CA-B60333B58E9B}" type="datetimeFigureOut">
               <a:rPr lang="ko-KR" altLang="en-US" smtClean="0"/>
-              <a:t>2022-02-15</a:t>
+              <a:t>2022-02-16</a:t>
             </a:fld>
             <a:endParaRPr lang="ko-KR" altLang="en-US"/>
           </a:p>
@@ -604,7 +604,7 @@
           <a:p>
             <a:fld id="{B847C6D6-EA7D-4053-B1CA-B60333B58E9B}" type="datetimeFigureOut">
               <a:rPr lang="ko-KR" altLang="en-US" smtClean="0"/>
-              <a:t>2022-02-15</a:t>
+              <a:t>2022-02-16</a:t>
             </a:fld>
             <a:endParaRPr lang="ko-KR" altLang="en-US"/>
           </a:p>
@@ -772,7 +772,7 @@
           <a:p>
             <a:fld id="{B847C6D6-EA7D-4053-B1CA-B60333B58E9B}" type="datetimeFigureOut">
               <a:rPr lang="ko-KR" altLang="en-US" smtClean="0"/>
-              <a:t>2022-02-15</a:t>
+              <a:t>2022-02-16</a:t>
             </a:fld>
             <a:endParaRPr lang="ko-KR" altLang="en-US"/>
           </a:p>
@@ -1017,7 +1017,7 @@
           <a:p>
             <a:fld id="{B847C6D6-EA7D-4053-B1CA-B60333B58E9B}" type="datetimeFigureOut">
               <a:rPr lang="ko-KR" altLang="en-US" smtClean="0"/>
-              <a:t>2022-02-15</a:t>
+              <a:t>2022-02-16</a:t>
             </a:fld>
             <a:endParaRPr lang="ko-KR" altLang="en-US"/>
           </a:p>
@@ -1246,7 +1246,7 @@
           <a:p>
             <a:fld id="{B847C6D6-EA7D-4053-B1CA-B60333B58E9B}" type="datetimeFigureOut">
               <a:rPr lang="ko-KR" altLang="en-US" smtClean="0"/>
-              <a:t>2022-02-15</a:t>
+              <a:t>2022-02-16</a:t>
             </a:fld>
             <a:endParaRPr lang="ko-KR" altLang="en-US"/>
           </a:p>
@@ -1610,7 +1610,7 @@
           <a:p>
             <a:fld id="{B847C6D6-EA7D-4053-B1CA-B60333B58E9B}" type="datetimeFigureOut">
               <a:rPr lang="ko-KR" altLang="en-US" smtClean="0"/>
-              <a:t>2022-02-15</a:t>
+              <a:t>2022-02-16</a:t>
             </a:fld>
             <a:endParaRPr lang="ko-KR" altLang="en-US"/>
           </a:p>
@@ -1727,7 +1727,7 @@
           <a:p>
             <a:fld id="{B847C6D6-EA7D-4053-B1CA-B60333B58E9B}" type="datetimeFigureOut">
               <a:rPr lang="ko-KR" altLang="en-US" smtClean="0"/>
-              <a:t>2022-02-15</a:t>
+              <a:t>2022-02-16</a:t>
             </a:fld>
             <a:endParaRPr lang="ko-KR" altLang="en-US"/>
           </a:p>
@@ -1822,7 +1822,7 @@
           <a:p>
             <a:fld id="{B847C6D6-EA7D-4053-B1CA-B60333B58E9B}" type="datetimeFigureOut">
               <a:rPr lang="ko-KR" altLang="en-US" smtClean="0"/>
-              <a:t>2022-02-15</a:t>
+              <a:t>2022-02-16</a:t>
             </a:fld>
             <a:endParaRPr lang="ko-KR" altLang="en-US"/>
           </a:p>
@@ -2097,7 +2097,7 @@
           <a:p>
             <a:fld id="{B847C6D6-EA7D-4053-B1CA-B60333B58E9B}" type="datetimeFigureOut">
               <a:rPr lang="ko-KR" altLang="en-US" smtClean="0"/>
-              <a:t>2022-02-15</a:t>
+              <a:t>2022-02-16</a:t>
             </a:fld>
             <a:endParaRPr lang="ko-KR" altLang="en-US"/>
           </a:p>
@@ -2349,7 +2349,7 @@
           <a:p>
             <a:fld id="{B847C6D6-EA7D-4053-B1CA-B60333B58E9B}" type="datetimeFigureOut">
               <a:rPr lang="ko-KR" altLang="en-US" smtClean="0"/>
-              <a:t>2022-02-15</a:t>
+              <a:t>2022-02-16</a:t>
             </a:fld>
             <a:endParaRPr lang="ko-KR" altLang="en-US"/>
           </a:p>
@@ -2560,7 +2560,7 @@
           <a:p>
             <a:fld id="{B847C6D6-EA7D-4053-B1CA-B60333B58E9B}" type="datetimeFigureOut">
               <a:rPr lang="ko-KR" altLang="en-US" smtClean="0"/>
-              <a:t>2022-02-15</a:t>
+              <a:t>2022-02-16</a:t>
             </a:fld>
             <a:endParaRPr lang="ko-KR" altLang="en-US"/>
           </a:p>
@@ -3331,167 +3331,146 @@
           </a:p>
         </p:txBody>
       </p:sp>
-      <p:grpSp>
-        <p:nvGrpSpPr>
-          <p:cNvPr id="3" name="그룹 2">
+      <p:pic>
+        <p:nvPicPr>
+          <p:cNvPr id="7" name="그림 6"/>
+          <p:cNvPicPr>
+            <a:picLocks noChangeAspect="1"/>
+          </p:cNvPicPr>
+          <p:nvPr/>
+        </p:nvPicPr>
+        <p:blipFill>
+          <a:blip r:embed="rId2" cstate="print">
             <a:extLst>
-              <a:ext uri="{FF2B5EF4-FFF2-40B4-BE49-F238E27FC236}">
-                <a16:creationId xmlns:a16="http://schemas.microsoft.com/office/drawing/2014/main" id="{A0493306-9576-41CF-93A3-4AF88CE60F20}"/>
+              <a:ext uri="{28A0092B-C50C-407E-A947-70E740481C1C}">
+                <a14:useLocalDpi xmlns:a14="http://schemas.microsoft.com/office/drawing/2010/main" val="0"/>
               </a:ext>
             </a:extLst>
-          </p:cNvPr>
-          <p:cNvGrpSpPr/>
+          </a:blip>
+          <a:stretch>
+            <a:fillRect/>
+          </a:stretch>
+        </p:blipFill>
+        <p:spPr>
+          <a:xfrm>
+            <a:off x="6293457" y="4271264"/>
+            <a:ext cx="2641018" cy="1497656"/>
+          </a:xfrm>
+          <a:prstGeom prst="rect">
+            <a:avLst/>
+          </a:prstGeom>
+          <a:ln>
+            <a:solidFill>
+              <a:schemeClr val="tx1"/>
+            </a:solidFill>
+          </a:ln>
+        </p:spPr>
+      </p:pic>
+      <p:pic>
+        <p:nvPicPr>
+          <p:cNvPr id="8" name="그림 7"/>
+          <p:cNvPicPr>
+            <a:picLocks noChangeAspect="1"/>
+          </p:cNvPicPr>
           <p:nvPr/>
-        </p:nvGrpSpPr>
-        <p:grpSpPr>
-          <a:xfrm>
-            <a:off x="251945" y="4270224"/>
-            <a:ext cx="11688110" cy="1498802"/>
-            <a:chOff x="346872" y="4270224"/>
-            <a:chExt cx="11688110" cy="1498802"/>
-          </a:xfrm>
-        </p:grpSpPr>
-        <p:pic>
-          <p:nvPicPr>
-            <p:cNvPr id="7" name="그림 6"/>
-            <p:cNvPicPr>
-              <a:picLocks noChangeAspect="1"/>
-            </p:cNvPicPr>
-            <p:nvPr/>
-          </p:nvPicPr>
-          <p:blipFill>
-            <a:blip r:embed="rId2" cstate="print">
-              <a:extLst>
-                <a:ext uri="{28A0092B-C50C-407E-A947-70E740481C1C}">
-                  <a14:useLocalDpi xmlns:a14="http://schemas.microsoft.com/office/drawing/2010/main" val="0"/>
-                </a:ext>
-              </a:extLst>
-            </a:blip>
-            <a:stretch>
-              <a:fillRect/>
-            </a:stretch>
-          </p:blipFill>
-          <p:spPr>
-            <a:xfrm>
-              <a:off x="6388384" y="4271264"/>
-              <a:ext cx="2641018" cy="1497656"/>
-            </a:xfrm>
-            <a:prstGeom prst="rect">
-              <a:avLst/>
-            </a:prstGeom>
-            <a:ln>
-              <a:solidFill>
-                <a:schemeClr val="tx1"/>
-              </a:solidFill>
-            </a:ln>
-          </p:spPr>
-        </p:pic>
-        <p:pic>
-          <p:nvPicPr>
-            <p:cNvPr id="8" name="그림 7"/>
-            <p:cNvPicPr>
-              <a:picLocks noChangeAspect="1"/>
-            </p:cNvPicPr>
-            <p:nvPr/>
-          </p:nvPicPr>
-          <p:blipFill>
-            <a:blip r:embed="rId3" cstate="print">
-              <a:extLst>
-                <a:ext uri="{28A0092B-C50C-407E-A947-70E740481C1C}">
-                  <a14:useLocalDpi xmlns:a14="http://schemas.microsoft.com/office/drawing/2010/main" val="0"/>
-                </a:ext>
-              </a:extLst>
-            </a:blip>
-            <a:stretch>
-              <a:fillRect/>
-            </a:stretch>
-          </p:blipFill>
-          <p:spPr>
-            <a:xfrm>
-              <a:off x="3382805" y="4271264"/>
-              <a:ext cx="2641018" cy="1497656"/>
-            </a:xfrm>
-            <a:prstGeom prst="rect">
-              <a:avLst/>
-            </a:prstGeom>
-            <a:ln>
-              <a:solidFill>
-                <a:schemeClr val="tx1"/>
-              </a:solidFill>
-            </a:ln>
-          </p:spPr>
-        </p:pic>
-        <p:pic>
-          <p:nvPicPr>
-            <p:cNvPr id="9" name="그림 8"/>
-            <p:cNvPicPr>
-              <a:picLocks noChangeAspect="1"/>
-            </p:cNvPicPr>
-            <p:nvPr/>
-          </p:nvPicPr>
-          <p:blipFill>
-            <a:blip r:embed="rId4" cstate="print">
-              <a:extLst>
-                <a:ext uri="{28A0092B-C50C-407E-A947-70E740481C1C}">
-                  <a14:useLocalDpi xmlns:a14="http://schemas.microsoft.com/office/drawing/2010/main" val="0"/>
-                </a:ext>
-              </a:extLst>
-            </a:blip>
-            <a:stretch>
-              <a:fillRect/>
-            </a:stretch>
-          </p:blipFill>
-          <p:spPr>
-            <a:xfrm>
-              <a:off x="9393964" y="4270224"/>
-              <a:ext cx="2641018" cy="1498802"/>
-            </a:xfrm>
-            <a:prstGeom prst="rect">
-              <a:avLst/>
-            </a:prstGeom>
-            <a:ln>
-              <a:solidFill>
-                <a:schemeClr val="tx1"/>
-              </a:solidFill>
-            </a:ln>
-          </p:spPr>
-        </p:pic>
-        <p:pic>
-          <p:nvPicPr>
-            <p:cNvPr id="10" name="그림 9"/>
-            <p:cNvPicPr>
-              <a:picLocks noChangeAspect="1"/>
-            </p:cNvPicPr>
-            <p:nvPr/>
-          </p:nvPicPr>
-          <p:blipFill>
-            <a:blip r:embed="rId5" cstate="print">
-              <a:extLst>
-                <a:ext uri="{28A0092B-C50C-407E-A947-70E740481C1C}">
-                  <a14:useLocalDpi xmlns:a14="http://schemas.microsoft.com/office/drawing/2010/main" val="0"/>
-                </a:ext>
-              </a:extLst>
-            </a:blip>
-            <a:stretch>
-              <a:fillRect/>
-            </a:stretch>
-          </p:blipFill>
-          <p:spPr>
-            <a:xfrm>
-              <a:off x="346872" y="4271264"/>
-              <a:ext cx="2671372" cy="1497656"/>
-            </a:xfrm>
-            <a:prstGeom prst="rect">
-              <a:avLst/>
-            </a:prstGeom>
-            <a:ln>
-              <a:solidFill>
-                <a:schemeClr val="tx1"/>
-              </a:solidFill>
-            </a:ln>
-          </p:spPr>
-        </p:pic>
-      </p:grpSp>
+        </p:nvPicPr>
+        <p:blipFill>
+          <a:blip r:embed="rId3" cstate="print">
+            <a:extLst>
+              <a:ext uri="{28A0092B-C50C-407E-A947-70E740481C1C}">
+                <a14:useLocalDpi xmlns:a14="http://schemas.microsoft.com/office/drawing/2010/main" val="0"/>
+              </a:ext>
+            </a:extLst>
+          </a:blip>
+          <a:stretch>
+            <a:fillRect/>
+          </a:stretch>
+        </p:blipFill>
+        <p:spPr>
+          <a:xfrm>
+            <a:off x="3287878" y="4271264"/>
+            <a:ext cx="2641018" cy="1497656"/>
+          </a:xfrm>
+          <a:prstGeom prst="rect">
+            <a:avLst/>
+          </a:prstGeom>
+          <a:ln>
+            <a:solidFill>
+              <a:schemeClr val="tx1"/>
+            </a:solidFill>
+          </a:ln>
+        </p:spPr>
+      </p:pic>
+      <p:pic>
+        <p:nvPicPr>
+          <p:cNvPr id="9" name="그림 8"/>
+          <p:cNvPicPr>
+            <a:picLocks noChangeAspect="1"/>
+          </p:cNvPicPr>
+          <p:nvPr/>
+        </p:nvPicPr>
+        <p:blipFill>
+          <a:blip r:embed="rId4" cstate="print">
+            <a:extLst>
+              <a:ext uri="{28A0092B-C50C-407E-A947-70E740481C1C}">
+                <a14:useLocalDpi xmlns:a14="http://schemas.microsoft.com/office/drawing/2010/main" val="0"/>
+              </a:ext>
+            </a:extLst>
+          </a:blip>
+          <a:stretch>
+            <a:fillRect/>
+          </a:stretch>
+        </p:blipFill>
+        <p:spPr>
+          <a:xfrm>
+            <a:off x="9299037" y="4270224"/>
+            <a:ext cx="2641018" cy="1498802"/>
+          </a:xfrm>
+          <a:prstGeom prst="rect">
+            <a:avLst/>
+          </a:prstGeom>
+          <a:ln>
+            <a:solidFill>
+              <a:schemeClr val="tx1"/>
+            </a:solidFill>
+          </a:ln>
+        </p:spPr>
+      </p:pic>
+      <p:pic>
+        <p:nvPicPr>
+          <p:cNvPr id="10" name="그림 9"/>
+          <p:cNvPicPr>
+            <a:picLocks noChangeAspect="1"/>
+          </p:cNvPicPr>
+          <p:nvPr/>
+        </p:nvPicPr>
+        <p:blipFill>
+          <a:blip r:embed="rId5" cstate="print">
+            <a:extLst>
+              <a:ext uri="{28A0092B-C50C-407E-A947-70E740481C1C}">
+                <a14:useLocalDpi xmlns:a14="http://schemas.microsoft.com/office/drawing/2010/main" val="0"/>
+              </a:ext>
+            </a:extLst>
+          </a:blip>
+          <a:stretch>
+            <a:fillRect/>
+          </a:stretch>
+        </p:blipFill>
+        <p:spPr>
+          <a:xfrm>
+            <a:off x="251945" y="4271264"/>
+            <a:ext cx="2671372" cy="1497656"/>
+          </a:xfrm>
+          <a:prstGeom prst="rect">
+            <a:avLst/>
+          </a:prstGeom>
+          <a:ln>
+            <a:solidFill>
+              <a:schemeClr val="tx1"/>
+            </a:solidFill>
+          </a:ln>
+        </p:spPr>
+      </p:pic>
       <p:pic>
         <p:nvPicPr>
           <p:cNvPr id="13" name="그림 12"/>
@@ -3845,8 +3824,8 @@
         </p:nvSpPr>
         <p:spPr>
           <a:xfrm>
-            <a:off x="-1" y="1440873"/>
-            <a:ext cx="12192001" cy="4682835"/>
+            <a:off x="-1" y="3620375"/>
+            <a:ext cx="12192001" cy="2503333"/>
           </a:xfrm>
           <a:prstGeom prst="rect">
             <a:avLst/>
@@ -3882,6 +3861,182 @@
             <a:endParaRPr lang="ko-KR" altLang="en-US">
               <a:latin typeface="+mj-lt"/>
             </a:endParaRPr>
+          </a:p>
+        </p:txBody>
+      </p:sp>
+      <p:sp>
+        <p:nvSpPr>
+          <p:cNvPr id="24" name="TextBox 23">
+            <a:extLst>
+              <a:ext uri="{FF2B5EF4-FFF2-40B4-BE49-F238E27FC236}">
+                <a16:creationId xmlns:a16="http://schemas.microsoft.com/office/drawing/2014/main" id="{52169C67-C1D0-49B6-B887-9D36F52631BF}"/>
+              </a:ext>
+            </a:extLst>
+          </p:cNvPr>
+          <p:cNvSpPr txBox="1"/>
+          <p:nvPr/>
+        </p:nvSpPr>
+        <p:spPr>
+          <a:xfrm>
+            <a:off x="1233514" y="5760474"/>
+            <a:ext cx="708234" cy="253916"/>
+          </a:xfrm>
+          <a:prstGeom prst="rect">
+            <a:avLst/>
+          </a:prstGeom>
+          <a:noFill/>
+        </p:spPr>
+        <p:txBody>
+          <a:bodyPr wrap="square" rtlCol="0">
+            <a:spAutoFit/>
+          </a:bodyPr>
+          <a:lstStyle/>
+          <a:p>
+            <a:r>
+              <a:rPr lang="en-US" altLang="ko-KR" sz="1050" dirty="0"/>
+              <a:t>[</a:t>
+            </a:r>
+            <a:r>
+              <a:rPr lang="ko-KR" altLang="en-US" sz="1050" dirty="0"/>
+              <a:t>그림 </a:t>
+            </a:r>
+            <a:r>
+              <a:rPr lang="en-US" altLang="ko-KR" sz="1050" dirty="0"/>
+              <a:t>1]</a:t>
+            </a:r>
+            <a:endParaRPr lang="ko-KR" altLang="en-US" sz="1050" dirty="0"/>
+          </a:p>
+        </p:txBody>
+      </p:sp>
+      <p:sp>
+        <p:nvSpPr>
+          <p:cNvPr id="25" name="TextBox 24">
+            <a:extLst>
+              <a:ext uri="{FF2B5EF4-FFF2-40B4-BE49-F238E27FC236}">
+                <a16:creationId xmlns:a16="http://schemas.microsoft.com/office/drawing/2014/main" id="{C423846A-FA9A-40B5-918F-3D149991EA45}"/>
+              </a:ext>
+            </a:extLst>
+          </p:cNvPr>
+          <p:cNvSpPr txBox="1"/>
+          <p:nvPr/>
+        </p:nvSpPr>
+        <p:spPr>
+          <a:xfrm>
+            <a:off x="4254270" y="5760474"/>
+            <a:ext cx="708234" cy="253916"/>
+          </a:xfrm>
+          <a:prstGeom prst="rect">
+            <a:avLst/>
+          </a:prstGeom>
+          <a:noFill/>
+        </p:spPr>
+        <p:txBody>
+          <a:bodyPr wrap="square" rtlCol="0">
+            <a:spAutoFit/>
+          </a:bodyPr>
+          <a:lstStyle/>
+          <a:p>
+            <a:r>
+              <a:rPr lang="en-US" altLang="ko-KR" sz="1050" dirty="0"/>
+              <a:t>[</a:t>
+            </a:r>
+            <a:r>
+              <a:rPr lang="ko-KR" altLang="en-US" sz="1050" dirty="0"/>
+              <a:t>그림 </a:t>
+            </a:r>
+            <a:r>
+              <a:rPr lang="en-US" altLang="ko-KR" sz="1050" dirty="0"/>
+              <a:t>2]</a:t>
+            </a:r>
+            <a:endParaRPr lang="ko-KR" altLang="en-US" sz="1050" dirty="0"/>
+          </a:p>
+        </p:txBody>
+      </p:sp>
+      <p:sp>
+        <p:nvSpPr>
+          <p:cNvPr id="26" name="TextBox 25">
+            <a:extLst>
+              <a:ext uri="{FF2B5EF4-FFF2-40B4-BE49-F238E27FC236}">
+                <a16:creationId xmlns:a16="http://schemas.microsoft.com/office/drawing/2014/main" id="{595E07F4-8F68-4023-86C9-3BC7406E1409}"/>
+              </a:ext>
+            </a:extLst>
+          </p:cNvPr>
+          <p:cNvSpPr txBox="1"/>
+          <p:nvPr/>
+        </p:nvSpPr>
+        <p:spPr>
+          <a:xfrm>
+            <a:off x="7259849" y="5760474"/>
+            <a:ext cx="708234" cy="253916"/>
+          </a:xfrm>
+          <a:prstGeom prst="rect">
+            <a:avLst/>
+          </a:prstGeom>
+          <a:noFill/>
+        </p:spPr>
+        <p:txBody>
+          <a:bodyPr wrap="square" rtlCol="0">
+            <a:spAutoFit/>
+          </a:bodyPr>
+          <a:lstStyle/>
+          <a:p>
+            <a:r>
+              <a:rPr lang="en-US" altLang="ko-KR" sz="1050" dirty="0"/>
+              <a:t>[</a:t>
+            </a:r>
+            <a:r>
+              <a:rPr lang="ko-KR" altLang="en-US" sz="1050" dirty="0"/>
+              <a:t>그림 </a:t>
+            </a:r>
+            <a:r>
+              <a:rPr lang="en-US" altLang="ko-KR" sz="1050" dirty="0"/>
+              <a:t>3]</a:t>
+            </a:r>
+            <a:endParaRPr lang="ko-KR" altLang="en-US" sz="1050" dirty="0"/>
+          </a:p>
+        </p:txBody>
+      </p:sp>
+      <p:sp>
+        <p:nvSpPr>
+          <p:cNvPr id="27" name="TextBox 26">
+            <a:extLst>
+              <a:ext uri="{FF2B5EF4-FFF2-40B4-BE49-F238E27FC236}">
+                <a16:creationId xmlns:a16="http://schemas.microsoft.com/office/drawing/2014/main" id="{39F3137B-869D-4A20-8397-A4E2916E2E52}"/>
+              </a:ext>
+            </a:extLst>
+          </p:cNvPr>
+          <p:cNvSpPr txBox="1"/>
+          <p:nvPr/>
+        </p:nvSpPr>
+        <p:spPr>
+          <a:xfrm>
+            <a:off x="10265429" y="5760474"/>
+            <a:ext cx="708234" cy="253916"/>
+          </a:xfrm>
+          <a:prstGeom prst="rect">
+            <a:avLst/>
+          </a:prstGeom>
+          <a:noFill/>
+        </p:spPr>
+        <p:txBody>
+          <a:bodyPr wrap="square" rtlCol="0">
+            <a:spAutoFit/>
+          </a:bodyPr>
+          <a:lstStyle/>
+          <a:p>
+            <a:r>
+              <a:rPr lang="en-US" altLang="ko-KR" sz="1050" dirty="0"/>
+              <a:t>[</a:t>
+            </a:r>
+            <a:r>
+              <a:rPr lang="ko-KR" altLang="en-US" sz="1050" dirty="0"/>
+              <a:t>그림 </a:t>
+            </a:r>
+            <a:r>
+              <a:rPr lang="en-US" altLang="ko-KR" sz="1050" dirty="0"/>
+              <a:t>4]</a:t>
+            </a:r>
+            <a:endParaRPr lang="ko-KR" altLang="en-US" sz="1050" dirty="0"/>
           </a:p>
         </p:txBody>
       </p:sp>
@@ -4053,7 +4208,23 @@
             </a:pPr>
             <a:r>
               <a:rPr lang="ko-KR" altLang="en-US" sz="1200" dirty="0"/>
-              <a:t>상단에 화면 목록 표시</a:t>
+              <a:t>상단에 </a:t>
+            </a:r>
+            <a:r>
+              <a:rPr lang="en-US" altLang="ko-KR" sz="1200" dirty="0"/>
+              <a:t>Device(</a:t>
+            </a:r>
+            <a:r>
+              <a:rPr lang="ko-KR" altLang="en-US" sz="1200" dirty="0"/>
+              <a:t>화면</a:t>
+            </a:r>
+            <a:r>
+              <a:rPr lang="en-US" altLang="ko-KR" sz="1200" dirty="0"/>
+              <a:t>)</a:t>
+            </a:r>
+            <a:r>
+              <a:rPr lang="ko-KR" altLang="en-US" sz="1200" dirty="0"/>
+              <a:t> 목록 표시</a:t>
             </a:r>
             <a:endParaRPr lang="en-US" altLang="ko-KR" sz="1200" dirty="0"/>
           </a:p>
@@ -4464,7 +4635,23 @@
             </a:pPr>
             <a:r>
               <a:rPr lang="ko-KR" altLang="en-US" sz="1200" dirty="0"/>
-              <a:t>상단에 화면 목록 표시</a:t>
+              <a:t>상단에 </a:t>
+            </a:r>
+            <a:r>
+              <a:rPr lang="en-US" altLang="ko-KR" sz="1200" dirty="0"/>
+              <a:t>Device(</a:t>
+            </a:r>
+            <a:r>
+              <a:rPr lang="ko-KR" altLang="en-US" sz="1200" dirty="0"/>
+              <a:t>화면</a:t>
+            </a:r>
+            <a:r>
+              <a:rPr lang="en-US" altLang="ko-KR" sz="1200" dirty="0"/>
+              <a:t>)</a:t>
+            </a:r>
+            <a:r>
+              <a:rPr lang="ko-KR" altLang="en-US" sz="1200" dirty="0"/>
+              <a:t> 목록 표시</a:t>
             </a:r>
             <a:endParaRPr lang="en-US" altLang="ko-KR" sz="1200" dirty="0"/>
           </a:p>
@@ -4887,7 +5074,23 @@
             </a:pPr>
             <a:r>
               <a:rPr lang="ko-KR" altLang="en-US" sz="1200" dirty="0"/>
-              <a:t>상단에 화면 목록 표시</a:t>
+              <a:t>상단에 </a:t>
+            </a:r>
+            <a:r>
+              <a:rPr lang="en-US" altLang="ko-KR" sz="1200" dirty="0"/>
+              <a:t>Device(</a:t>
+            </a:r>
+            <a:r>
+              <a:rPr lang="ko-KR" altLang="en-US" sz="1200" dirty="0"/>
+              <a:t>화면</a:t>
+            </a:r>
+            <a:r>
+              <a:rPr lang="en-US" altLang="ko-KR" sz="1200" dirty="0"/>
+              <a:t>)</a:t>
+            </a:r>
+            <a:r>
+              <a:rPr lang="ko-KR" altLang="en-US" sz="1200" dirty="0"/>
+              <a:t> 목록 표시</a:t>
             </a:r>
             <a:endParaRPr lang="en-US" altLang="ko-KR" sz="1200" dirty="0"/>
           </a:p>
@@ -5320,7 +5523,23 @@
             </a:pPr>
             <a:r>
               <a:rPr lang="ko-KR" altLang="en-US" sz="1200" dirty="0"/>
-              <a:t>상단에 화면 목록 표시</a:t>
+              <a:t>상단에 </a:t>
+            </a:r>
+            <a:r>
+              <a:rPr lang="en-US" altLang="ko-KR" sz="1200" dirty="0"/>
+              <a:t>Device(</a:t>
+            </a:r>
+            <a:r>
+              <a:rPr lang="ko-KR" altLang="en-US" sz="1200" dirty="0"/>
+              <a:t>화면</a:t>
+            </a:r>
+            <a:r>
+              <a:rPr lang="en-US" altLang="ko-KR" sz="1200" dirty="0"/>
+              <a:t>)</a:t>
+            </a:r>
+            <a:r>
+              <a:rPr lang="ko-KR" altLang="en-US" sz="1200" dirty="0"/>
+              <a:t> 목록 표시</a:t>
             </a:r>
             <a:endParaRPr lang="en-US" altLang="ko-KR" sz="1200" dirty="0"/>
           </a:p>
